--- a/project_01/docs/Ome_ENGI301_project_proposal.pptx
+++ b/project_01/docs/Ome_ENGI301_project_proposal.pptx
@@ -5,19 +5,20 @@
     <p:sldMasterId id="2147483648" r:id="rId1"/>
   </p:sldMasterIdLst>
   <p:notesMasterIdLst>
-    <p:notesMasterId r:id="rId9"/>
+    <p:notesMasterId r:id="rId10"/>
   </p:notesMasterIdLst>
   <p:handoutMasterIdLst>
-    <p:handoutMasterId r:id="rId10"/>
+    <p:handoutMasterId r:id="rId11"/>
   </p:handoutMasterIdLst>
   <p:sldIdLst>
     <p:sldId id="261" r:id="rId2"/>
     <p:sldId id="367" r:id="rId3"/>
-    <p:sldId id="373" r:id="rId4"/>
-    <p:sldId id="379" r:id="rId5"/>
+    <p:sldId id="384" r:id="rId4"/>
+    <p:sldId id="385" r:id="rId5"/>
     <p:sldId id="369" r:id="rId6"/>
     <p:sldId id="377" r:id="rId7"/>
     <p:sldId id="378" r:id="rId8"/>
+    <p:sldId id="386" r:id="rId9"/>
   </p:sldIdLst>
   <p:sldSz cx="12192000" cy="6858000"/>
   <p:notesSz cx="6858000" cy="9144000"/>
@@ -220,7 +221,7 @@
           <a:p>
             <a:fld id="{59041DB8-B66F-4DC8-A96E-33677E0F90FF}" type="datetimeFigureOut">
               <a:rPr lang="en-US" smtClean="0"/>
-              <a:t>10/14/21</a:t>
+              <a:t>11/9/2021</a:t>
             </a:fld>
             <a:endParaRPr lang="en-US"/>
           </a:p>
@@ -385,7 +386,7 @@
           <a:p>
             <a:fld id="{DEB49C4A-65AC-492D-9701-81B46C3AD0E4}" type="datetimeFigureOut">
               <a:rPr lang="en-US" smtClean="0"/>
-              <a:t>10/14/21</a:t>
+              <a:t>11/9/2021</a:t>
             </a:fld>
             <a:endParaRPr lang="en-US"/>
           </a:p>
@@ -924,7 +925,7 @@
     </p:spTree>
     <p:extLst>
       <p:ext uri="{BB962C8B-B14F-4D97-AF65-F5344CB8AC3E}">
-        <p14:creationId xmlns:p14="http://schemas.microsoft.com/office/powerpoint/2010/main" val="109873648"/>
+        <p14:creationId xmlns:p14="http://schemas.microsoft.com/office/powerpoint/2010/main" val="483496492"/>
       </p:ext>
     </p:extLst>
   </p:cSld>
@@ -951,72 +952,7 @@
           <a:chExt cx="0" cy="0"/>
         </a:xfrm>
       </p:grpSpPr>
-      <p:sp>
-        <p:nvSpPr>
-          <p:cNvPr id="2" name="Slide Image Placeholder 1"/>
-          <p:cNvSpPr>
-            <a:spLocks noGrp="1" noRot="1" noChangeAspect="1"/>
-          </p:cNvSpPr>
-          <p:nvPr>
-            <p:ph type="sldImg"/>
-          </p:nvPr>
-        </p:nvSpPr>
-        <p:spPr/>
-      </p:sp>
-      <p:sp>
-        <p:nvSpPr>
-          <p:cNvPr id="3" name="Notes Placeholder 2"/>
-          <p:cNvSpPr>
-            <a:spLocks noGrp="1"/>
-          </p:cNvSpPr>
-          <p:nvPr>
-            <p:ph type="body" idx="1"/>
-          </p:nvPr>
-        </p:nvSpPr>
-        <p:spPr/>
-        <p:txBody>
-          <a:bodyPr/>
-          <a:lstStyle/>
-          <a:p>
-            <a:endParaRPr lang="en-US" dirty="0"/>
-          </a:p>
-          <a:p>
-            <a:endParaRPr lang="en-US" dirty="0"/>
-          </a:p>
-          <a:p>
-            <a:endParaRPr lang="en-US" dirty="0"/>
-          </a:p>
-        </p:txBody>
-      </p:sp>
-      <p:sp>
-        <p:nvSpPr>
-          <p:cNvPr id="4" name="Slide Number Placeholder 3"/>
-          <p:cNvSpPr>
-            <a:spLocks noGrp="1"/>
-          </p:cNvSpPr>
-          <p:nvPr>
-            <p:ph type="sldNum" sz="quarter" idx="5"/>
-          </p:nvPr>
-        </p:nvSpPr>
-        <p:spPr/>
-        <p:txBody>
-          <a:bodyPr/>
-          <a:lstStyle/>
-          <a:p>
-            <a:fld id="{82869989-EB00-4EE7-BCB5-25BDC5BB29F8}" type="slidenum">
-              <a:rPr lang="en-US" smtClean="0"/>
-              <a:t>4</a:t>
-            </a:fld>
-            <a:endParaRPr lang="en-US"/>
-          </a:p>
-        </p:txBody>
-      </p:sp>
     </p:spTree>
-    <p:extLst>
-      <p:ext uri="{BB962C8B-B14F-4D97-AF65-F5344CB8AC3E}">
-        <p14:creationId xmlns:p14="http://schemas.microsoft.com/office/powerpoint/2010/main" val="2582212198"/>
-      </p:ext>
-    </p:extLst>
   </p:cSld>
   <p:clrMapOvr>
     <a:masterClrMapping/>
@@ -3333,7 +3269,7 @@
           <a:p>
             <a:fld id="{384A29A4-78C8-47AB-BA06-22CB45938951}" type="datetime1">
               <a:rPr lang="en-US" smtClean="0"/>
-              <a:t>10/14/21</a:t>
+              <a:t>11/9/2021</a:t>
             </a:fld>
             <a:endParaRPr lang="en-US"/>
           </a:p>
@@ -3528,7 +3464,7 @@
           <a:p>
             <a:fld id="{E1ED4ACF-2D82-46F2-A8E9-23963AA34E86}" type="datetime1">
               <a:rPr lang="en-US" smtClean="0"/>
-              <a:t>10/14/21</a:t>
+              <a:t>11/9/2021</a:t>
             </a:fld>
             <a:endParaRPr lang="en-US"/>
           </a:p>
@@ -3722,7 +3658,7 @@
           <a:p>
             <a:fld id="{AE374B5B-21A0-4192-BF4C-38187F1A68D8}" type="datetime1">
               <a:rPr lang="en-US" smtClean="0"/>
-              <a:t>10/14/21</a:t>
+              <a:t>11/9/2021</a:t>
             </a:fld>
             <a:endParaRPr lang="en-US"/>
           </a:p>
@@ -6063,7 +5999,7 @@
           <a:p>
             <a:fld id="{33B5CF7C-B333-48E1-A4A6-83A3C8B73AC0}" type="datetime1">
               <a:rPr lang="en-US" smtClean="0"/>
-              <a:t>10/14/21</a:t>
+              <a:t>11/9/2021</a:t>
             </a:fld>
             <a:endParaRPr lang="en-US"/>
           </a:p>
@@ -6516,7 +6452,7 @@
           <a:p>
             <a:fld id="{AE320762-5CBF-4210-AB54-376B091119F8}" type="datetime1">
               <a:rPr lang="en-US" smtClean="0"/>
-              <a:t>10/14/21</a:t>
+              <a:t>11/9/2021</a:t>
             </a:fld>
             <a:endParaRPr lang="en-US"/>
           </a:p>
@@ -6648,7 +6584,7 @@
           <a:p>
             <a:fld id="{7F0DB371-BF5F-4058-A212-1A908E4D2674}" type="datetime1">
               <a:rPr lang="en-US" smtClean="0"/>
-              <a:t>10/14/21</a:t>
+              <a:t>11/9/2021</a:t>
             </a:fld>
             <a:endParaRPr lang="en-US"/>
           </a:p>
@@ -8581,7 +8517,7 @@
           <a:p>
             <a:fld id="{60A4083B-90AA-48CF-BAD5-00AA24D7F288}" type="datetime1">
               <a:rPr lang="en-US" smtClean="0"/>
-              <a:t>10/14/21</a:t>
+              <a:t>11/9/2021</a:t>
             </a:fld>
             <a:endParaRPr lang="en-US"/>
           </a:p>
@@ -10840,7 +10776,7 @@
             <a:fld id="{F5BAF629-ECA2-4CF3-B790-9D9BDED98269}" type="datetime1">
               <a:rPr lang="en-US" smtClean="0"/>
               <a:pPr/>
-              <a:t>10/14/21</a:t>
+              <a:t>11/9/2021</a:t>
             </a:fld>
             <a:endParaRPr lang="en-US"/>
           </a:p>
@@ -15135,7 +15071,7 @@
             <a:fld id="{B51B2453-8663-4C69-AF73-9FD7B1DEC5D0}" type="datetime1">
               <a:rPr lang="en-US" smtClean="0"/>
               <a:pPr/>
-              <a:t>10/14/21</a:t>
+              <a:t>11/9/2021</a:t>
             </a:fld>
             <a:endParaRPr lang="en-US" dirty="0"/>
           </a:p>
@@ -15652,7 +15588,7 @@
           <a:p>
             <a:r>
               <a:rPr lang="en-US" dirty="0"/>
-              <a:t>October 14, 2021</a:t>
+              <a:t>November 9, 2021</a:t>
             </a:r>
           </a:p>
           <a:p>
@@ -15760,7 +15696,7 @@
         </p:nvSpPr>
         <p:spPr>
           <a:xfrm>
-            <a:off x="609600" y="1295400"/>
+            <a:off x="609600" y="1181100"/>
             <a:ext cx="6902450" cy="4648200"/>
           </a:xfrm>
         </p:spPr>
@@ -15770,86 +15706,143 @@
           </a:bodyPr>
           <a:lstStyle/>
           <a:p>
+            <a:pPr>
+              <a:lnSpc>
+                <a:spcPct val="100000"/>
+              </a:lnSpc>
+            </a:pPr>
             <a:r>
               <a:rPr lang="en-US" sz="750" dirty="0"/>
               <a:t>The goal of this project is to develop a smart vanity/desk mirror that allows a user to view their appearance and displays information that may be relevant for daily use (i.e., calendar date, time, temperature, weather forecast etc. </a:t>
             </a:r>
           </a:p>
           <a:p>
+            <a:pPr>
+              <a:lnSpc>
+                <a:spcPct val="100000"/>
+              </a:lnSpc>
+            </a:pPr>
             <a:r>
               <a:rPr lang="en-US" sz="750" dirty="0"/>
               <a:t>Although there are existing projects centered around developing smart mirrors, many of the projects have large monitors, mirrors, and frames that make it difficult for the vanity to be portable. Additionally, the mirrors made in the existing projects are not intended to be vanity mirrors, so they tend to lack a lighting component and those that do include lighting strips use them for backlighting and not for enabling the user to have better visibility of their image. </a:t>
             </a:r>
           </a:p>
           <a:p>
+            <a:pPr>
+              <a:lnSpc>
+                <a:spcPct val="100000"/>
+              </a:lnSpc>
+            </a:pPr>
             <a:r>
               <a:rPr lang="en-US" sz="750" dirty="0"/>
               <a:t>As such, my project will include the following features to match and improve upon the features in existing projects: </a:t>
             </a:r>
           </a:p>
           <a:p>
-            <a:pPr lvl="1"/>
+            <a:pPr lvl="1">
+              <a:lnSpc>
+                <a:spcPct val="100000"/>
+              </a:lnSpc>
+            </a:pPr>
             <a:r>
               <a:rPr lang="en-US" sz="750" dirty="0"/>
               <a:t>Clean, aesthetic finish</a:t>
             </a:r>
           </a:p>
           <a:p>
-            <a:pPr lvl="1"/>
+            <a:pPr lvl="1">
+              <a:lnSpc>
+                <a:spcPct val="100000"/>
+              </a:lnSpc>
+            </a:pPr>
             <a:r>
               <a:rPr lang="en-US" sz="750" dirty="0"/>
               <a:t>Easel stand</a:t>
             </a:r>
           </a:p>
           <a:p>
-            <a:pPr lvl="1"/>
+            <a:pPr lvl="1">
+              <a:lnSpc>
+                <a:spcPct val="100000"/>
+              </a:lnSpc>
+            </a:pPr>
             <a:r>
               <a:rPr lang="en-US" sz="750" dirty="0"/>
               <a:t>Portable size</a:t>
             </a:r>
           </a:p>
           <a:p>
-            <a:pPr lvl="1"/>
+            <a:pPr lvl="1">
+              <a:lnSpc>
+                <a:spcPct val="100000"/>
+              </a:lnSpc>
+            </a:pPr>
             <a:r>
               <a:rPr lang="en-US" sz="750" dirty="0"/>
               <a:t>LED lighting projected towards user with button to turn on/off</a:t>
             </a:r>
           </a:p>
           <a:p>
-            <a:pPr lvl="1"/>
+            <a:pPr lvl="1">
+              <a:lnSpc>
+                <a:spcPct val="100000"/>
+              </a:lnSpc>
+            </a:pPr>
             <a:r>
               <a:rPr lang="en-US" sz="750" dirty="0"/>
               <a:t>Touchscreen functionality and modules for users to interact with</a:t>
             </a:r>
           </a:p>
           <a:p>
-            <a:pPr lvl="2"/>
+            <a:pPr lvl="2">
+              <a:lnSpc>
+                <a:spcPct val="100000"/>
+              </a:lnSpc>
+            </a:pPr>
             <a:r>
               <a:rPr lang="en-US" sz="750" dirty="0"/>
               <a:t>Backup toggle/Navigation button in case touchscreen functionality does not cooperate</a:t>
             </a:r>
           </a:p>
           <a:p>
-            <a:pPr lvl="1"/>
+            <a:pPr lvl="1">
+              <a:lnSpc>
+                <a:spcPct val="100000"/>
+              </a:lnSpc>
+            </a:pPr>
             <a:r>
               <a:rPr lang="en-US" sz="750" dirty="0"/>
               <a:t>Internet connection: video player, music, weather</a:t>
             </a:r>
           </a:p>
           <a:p>
+            <a:pPr>
+              <a:lnSpc>
+                <a:spcPct val="100000"/>
+              </a:lnSpc>
+            </a:pPr>
             <a:r>
               <a:rPr lang="en-US" sz="750" dirty="0"/>
               <a:t>The features listed above will make the device particularly useful to students and people that move frequently as its portable size allows for it to be used on many surfaces as opposed to being mounted on a wall or to a table.</a:t>
             </a:r>
           </a:p>
           <a:p>
+            <a:pPr>
+              <a:lnSpc>
+                <a:spcPct val="100000"/>
+              </a:lnSpc>
+            </a:pPr>
             <a:r>
               <a:rPr lang="en-US" sz="750" dirty="0"/>
               <a:t>Links to Existing Projects:</a:t>
             </a:r>
           </a:p>
           <a:p>
-            <a:pPr lvl="1"/>
+            <a:pPr lvl="1">
+              <a:lnSpc>
+                <a:spcPct val="100000"/>
+              </a:lnSpc>
+            </a:pPr>
             <a:r>
               <a:rPr lang="en-US" sz="750" dirty="0">
                 <a:hlinkClick r:id="rId3"/>
@@ -15862,7 +15855,11 @@
             </a:r>
           </a:p>
           <a:p>
-            <a:pPr lvl="1"/>
+            <a:pPr lvl="1">
+              <a:lnSpc>
+                <a:spcPct val="100000"/>
+              </a:lnSpc>
+            </a:pPr>
             <a:r>
               <a:rPr lang="en-US" sz="750" dirty="0">
                 <a:hlinkClick r:id="rId4"/>
@@ -15872,13 +15869,22 @@
             <a:endParaRPr lang="en-US" sz="750" dirty="0"/>
           </a:p>
           <a:p>
+            <a:pPr>
+              <a:lnSpc>
+                <a:spcPct val="100000"/>
+              </a:lnSpc>
+            </a:pPr>
             <a:r>
               <a:rPr lang="en-US" sz="750" dirty="0"/>
               <a:t>Links to Existing Libraries:  </a:t>
             </a:r>
           </a:p>
           <a:p>
-            <a:pPr lvl="1"/>
+            <a:pPr lvl="1">
+              <a:lnSpc>
+                <a:spcPct val="100000"/>
+              </a:lnSpc>
+            </a:pPr>
             <a:r>
               <a:rPr lang="en-US" sz="750" dirty="0">
                 <a:hlinkClick r:id="rId5"/>
@@ -15925,7 +15931,7 @@
         </p:blipFill>
         <p:spPr bwMode="auto">
           <a:xfrm>
-            <a:off x="7576479" y="355677"/>
+            <a:off x="7576479" y="617912"/>
             <a:ext cx="2067742" cy="2067742"/>
           </a:xfrm>
           <a:prstGeom prst="rect">
@@ -15957,7 +15963,7 @@
         </p:nvSpPr>
         <p:spPr>
           <a:xfrm>
-            <a:off x="7512050" y="2615625"/>
+            <a:off x="7512050" y="2877860"/>
             <a:ext cx="2330451" cy="584775"/>
           </a:xfrm>
           <a:prstGeom prst="rect">
@@ -16014,7 +16020,7 @@
         </p:blipFill>
         <p:spPr bwMode="auto">
           <a:xfrm>
-            <a:off x="7586208" y="3657600"/>
+            <a:off x="7586208" y="3919835"/>
             <a:ext cx="1976892" cy="1482669"/>
           </a:xfrm>
           <a:prstGeom prst="rect">
@@ -16061,7 +16067,7 @@
         </p:blipFill>
         <p:spPr bwMode="auto">
           <a:xfrm>
-            <a:off x="9944101" y="3657600"/>
+            <a:off x="9944101" y="3919835"/>
             <a:ext cx="1976892" cy="1482669"/>
           </a:xfrm>
           <a:prstGeom prst="rect">
@@ -16093,7 +16099,7 @@
         </p:nvSpPr>
         <p:spPr>
           <a:xfrm>
-            <a:off x="7586208" y="5295900"/>
+            <a:off x="7586208" y="5558135"/>
             <a:ext cx="1976892" cy="461665"/>
           </a:xfrm>
           <a:prstGeom prst="rect">
@@ -16139,7 +16145,7 @@
         </p:nvSpPr>
         <p:spPr>
           <a:xfrm>
-            <a:off x="9944102" y="5257800"/>
+            <a:off x="9944102" y="5520035"/>
             <a:ext cx="1976892" cy="338554"/>
           </a:xfrm>
           <a:prstGeom prst="rect">
@@ -16197,7 +16203,7 @@
         </p:blipFill>
         <p:spPr bwMode="auto">
           <a:xfrm>
-            <a:off x="10013669" y="960291"/>
+            <a:off x="10013669" y="1222526"/>
             <a:ext cx="1713152" cy="1426734"/>
           </a:xfrm>
           <a:prstGeom prst="rect">
@@ -16229,7 +16235,7 @@
         </p:nvSpPr>
         <p:spPr>
           <a:xfrm>
-            <a:off x="10013669" y="2615625"/>
+            <a:off x="10013669" y="2877860"/>
             <a:ext cx="1713152" cy="215444"/>
           </a:xfrm>
           <a:prstGeom prst="rect">
@@ -16294,6 +16300,42 @@
       </p:grpSpPr>
       <p:sp>
         <p:nvSpPr>
+          <p:cNvPr id="61" name="TextBox 60">
+            <a:extLst>
+              <a:ext uri="{FF2B5EF4-FFF2-40B4-BE49-F238E27FC236}">
+                <a16:creationId xmlns:a16="http://schemas.microsoft.com/office/drawing/2014/main" id="{CB23A000-A372-4503-B695-64E7B878CBB4}"/>
+              </a:ext>
+            </a:extLst>
+          </p:cNvPr>
+          <p:cNvSpPr txBox="1"/>
+          <p:nvPr/>
+        </p:nvSpPr>
+        <p:spPr>
+          <a:xfrm>
+            <a:off x="4415575" y="5081532"/>
+            <a:ext cx="632619" cy="276999"/>
+          </a:xfrm>
+          <a:prstGeom prst="rect">
+            <a:avLst/>
+          </a:prstGeom>
+          <a:noFill/>
+        </p:spPr>
+        <p:txBody>
+          <a:bodyPr wrap="square" rtlCol="0">
+            <a:spAutoFit/>
+          </a:bodyPr>
+          <a:lstStyle/>
+          <a:p>
+            <a:r>
+              <a:rPr lang="en-US" sz="1200" dirty="0" err="1"/>
+              <a:t>WiFi</a:t>
+            </a:r>
+            <a:endParaRPr lang="en-US" sz="1200" dirty="0"/>
+          </a:p>
+        </p:txBody>
+      </p:sp>
+      <p:sp>
+        <p:nvSpPr>
           <p:cNvPr id="2" name="Title 1">
             <a:extLst>
               <a:ext uri="{FF2B5EF4-FFF2-40B4-BE49-F238E27FC236}">
@@ -16334,8 +16376,8 @@
         </p:nvSpPr>
         <p:spPr>
           <a:xfrm>
-            <a:off x="5257800" y="2628900"/>
-            <a:ext cx="1943100" cy="3238500"/>
+            <a:off x="4838700" y="1600202"/>
+            <a:ext cx="2362200" cy="3238500"/>
           </a:xfrm>
           <a:prstGeom prst="roundRect">
             <a:avLst/>
@@ -16380,7 +16422,7 @@
         </p:nvSpPr>
         <p:spPr>
           <a:xfrm>
-            <a:off x="5676900" y="3695700"/>
+            <a:off x="5448300" y="2696170"/>
             <a:ext cx="1104900" cy="923330"/>
           </a:xfrm>
           <a:prstGeom prst="rect">
@@ -16442,7 +16484,7 @@
         </p:nvSpPr>
         <p:spPr>
           <a:xfrm>
-            <a:off x="6057923" y="2705101"/>
+            <a:off x="6477023" y="1657290"/>
             <a:ext cx="647677" cy="400110"/>
           </a:xfrm>
           <a:prstGeom prst="rect">
@@ -16463,28 +16505,100 @@
                   <a:schemeClr val="bg1"/>
                 </a:solidFill>
               </a:rPr>
-              <a:t>V_IN</a:t>
+              <a:t>USB Client</a:t>
             </a:r>
           </a:p>
+        </p:txBody>
+      </p:sp>
+      <p:cxnSp>
+        <p:nvCxnSpPr>
+          <p:cNvPr id="25" name="Straight Connector 24">
+            <a:extLst>
+              <a:ext uri="{FF2B5EF4-FFF2-40B4-BE49-F238E27FC236}">
+                <a16:creationId xmlns:a16="http://schemas.microsoft.com/office/drawing/2014/main" id="{684AE091-2D89-594F-9D2F-7B9770FE2A7D}"/>
+              </a:ext>
+            </a:extLst>
+          </p:cNvPr>
+          <p:cNvCxnSpPr>
+            <a:cxnSpLocks/>
+          </p:cNvCxnSpPr>
+          <p:nvPr/>
+        </p:nvCxnSpPr>
+        <p:spPr>
+          <a:xfrm flipH="1" flipV="1">
+            <a:off x="6781800" y="1326295"/>
+            <a:ext cx="1" cy="274089"/>
+          </a:xfrm>
+          <a:prstGeom prst="line">
+            <a:avLst/>
+          </a:prstGeom>
+          <a:ln w="12700"/>
+        </p:spPr>
+        <p:style>
+          <a:lnRef idx="1">
+            <a:schemeClr val="dk1"/>
+          </a:lnRef>
+          <a:fillRef idx="0">
+            <a:schemeClr val="dk1"/>
+          </a:fillRef>
+          <a:effectRef idx="0">
+            <a:schemeClr val="dk1"/>
+          </a:effectRef>
+          <a:fontRef idx="minor">
+            <a:schemeClr val="tx1"/>
+          </a:fontRef>
+        </p:style>
+      </p:cxnSp>
+      <p:sp>
+        <p:nvSpPr>
+          <p:cNvPr id="30" name="Rounded Rectangle 29">
+            <a:extLst>
+              <a:ext uri="{FF2B5EF4-FFF2-40B4-BE49-F238E27FC236}">
+                <a16:creationId xmlns:a16="http://schemas.microsoft.com/office/drawing/2014/main" id="{4EF604C2-A18E-604B-8689-0A96C874DE1A}"/>
+              </a:ext>
+            </a:extLst>
+          </p:cNvPr>
+          <p:cNvSpPr/>
+          <p:nvPr/>
+        </p:nvSpPr>
+        <p:spPr>
+          <a:xfrm>
+            <a:off x="6406458" y="723899"/>
+            <a:ext cx="719016" cy="609601"/>
+          </a:xfrm>
+          <a:prstGeom prst="roundRect">
+            <a:avLst/>
+          </a:prstGeom>
+        </p:spPr>
+        <p:style>
+          <a:lnRef idx="2">
+            <a:schemeClr val="accent6"/>
+          </a:lnRef>
+          <a:fillRef idx="1">
+            <a:schemeClr val="lt1"/>
+          </a:fillRef>
+          <a:effectRef idx="0">
+            <a:schemeClr val="accent6"/>
+          </a:effectRef>
+          <a:fontRef idx="minor">
+            <a:schemeClr val="dk1"/>
+          </a:fontRef>
+        </p:style>
+        <p:txBody>
+          <a:bodyPr rtlCol="0" anchor="ctr"/>
+          <a:lstStyle/>
           <a:p>
             <a:pPr algn="ctr"/>
-            <a:r>
-              <a:rPr lang="en-US" sz="1000" dirty="0">
-                <a:solidFill>
-                  <a:schemeClr val="bg1"/>
-                </a:solidFill>
-              </a:rPr>
-              <a:t>USB</a:t>
-            </a:r>
+            <a:endParaRPr lang="en-US"/>
           </a:p>
         </p:txBody>
       </p:sp>
       <p:sp>
         <p:nvSpPr>
-          <p:cNvPr id="19" name="TextBox 18">
+          <p:cNvPr id="31" name="TextBox 30">
             <a:extLst>
               <a:ext uri="{FF2B5EF4-FFF2-40B4-BE49-F238E27FC236}">
-                <a16:creationId xmlns:a16="http://schemas.microsoft.com/office/drawing/2014/main" id="{B6522FC6-9EF8-1A47-B30B-5A08288E3F84}"/>
+                <a16:creationId xmlns:a16="http://schemas.microsoft.com/office/drawing/2014/main" id="{E7BC4823-60EC-BA46-AED1-7BC6C2ECAF64}"/>
               </a:ext>
             </a:extLst>
           </p:cNvPr>
@@ -16493,8 +16607,8 @@
         </p:nvSpPr>
         <p:spPr>
           <a:xfrm>
-            <a:off x="5287383" y="4704605"/>
-            <a:ext cx="647677" cy="400110"/>
+            <a:off x="6400800" y="838142"/>
+            <a:ext cx="751609" cy="400110"/>
           </a:xfrm>
           <a:prstGeom prst="rect">
             <a:avLst/>
@@ -16507,24 +16621,63 @@
           </a:bodyPr>
           <a:lstStyle/>
           <a:p>
-            <a:pPr algn="ctr"/>
             <a:r>
-              <a:rPr lang="en-US" sz="1000" dirty="0">
-                <a:solidFill>
-                  <a:schemeClr val="bg1"/>
-                </a:solidFill>
-              </a:rPr>
-              <a:t>5 V SYS</a:t>
+              <a:rPr lang="en-US" sz="1000" dirty="0"/>
+              <a:t>USB to Computer</a:t>
             </a:r>
           </a:p>
         </p:txBody>
       </p:sp>
       <p:sp>
         <p:nvSpPr>
-          <p:cNvPr id="20" name="TextBox 19">
+          <p:cNvPr id="46" name="Rounded Rectangle 45">
             <a:extLst>
               <a:ext uri="{FF2B5EF4-FFF2-40B4-BE49-F238E27FC236}">
-                <a16:creationId xmlns:a16="http://schemas.microsoft.com/office/drawing/2014/main" id="{3C886F85-5F5F-EE42-BF04-0EBF75AC7B30}"/>
+                <a16:creationId xmlns:a16="http://schemas.microsoft.com/office/drawing/2014/main" id="{75C84915-4B0D-4048-977D-9C37D710099D}"/>
+              </a:ext>
+            </a:extLst>
+          </p:cNvPr>
+          <p:cNvSpPr/>
+          <p:nvPr/>
+        </p:nvSpPr>
+        <p:spPr>
+          <a:xfrm>
+            <a:off x="5888909" y="5087627"/>
+            <a:ext cx="545769" cy="506427"/>
+          </a:xfrm>
+          <a:prstGeom prst="roundRect">
+            <a:avLst/>
+          </a:prstGeom>
+        </p:spPr>
+        <p:style>
+          <a:lnRef idx="2">
+            <a:schemeClr val="accent6"/>
+          </a:lnRef>
+          <a:fillRef idx="1">
+            <a:schemeClr val="lt1"/>
+          </a:fillRef>
+          <a:effectRef idx="0">
+            <a:schemeClr val="accent6"/>
+          </a:effectRef>
+          <a:fontRef idx="minor">
+            <a:schemeClr val="dk1"/>
+          </a:fontRef>
+        </p:style>
+        <p:txBody>
+          <a:bodyPr rtlCol="0" anchor="ctr"/>
+          <a:lstStyle/>
+          <a:p>
+            <a:pPr algn="ctr"/>
+            <a:endParaRPr lang="en-US"/>
+          </a:p>
+        </p:txBody>
+      </p:sp>
+      <p:sp>
+        <p:nvSpPr>
+          <p:cNvPr id="47" name="TextBox 46">
+            <a:extLst>
+              <a:ext uri="{FF2B5EF4-FFF2-40B4-BE49-F238E27FC236}">
+                <a16:creationId xmlns:a16="http://schemas.microsoft.com/office/drawing/2014/main" id="{75164A4C-5145-6E48-996D-C07A69606460}"/>
               </a:ext>
             </a:extLst>
           </p:cNvPr>
@@ -16533,8 +16686,8 @@
         </p:nvSpPr>
         <p:spPr>
           <a:xfrm>
-            <a:off x="6539777" y="3311141"/>
-            <a:ext cx="647677" cy="246221"/>
+            <a:off x="5867400" y="5140231"/>
+            <a:ext cx="639393" cy="400110"/>
           </a:xfrm>
           <a:prstGeom prst="rect">
             <a:avLst/>
@@ -16549,22 +16702,307 @@
           <a:p>
             <a:pPr algn="ctr"/>
             <a:r>
+              <a:rPr lang="en-US" sz="1000" dirty="0"/>
+              <a:t>LCD Display</a:t>
+            </a:r>
+          </a:p>
+        </p:txBody>
+      </p:sp>
+      <p:sp>
+        <p:nvSpPr>
+          <p:cNvPr id="51" name="Rounded Rectangle 50">
+            <a:extLst>
+              <a:ext uri="{FF2B5EF4-FFF2-40B4-BE49-F238E27FC236}">
+                <a16:creationId xmlns:a16="http://schemas.microsoft.com/office/drawing/2014/main" id="{66AF1619-A30D-D645-A569-F175A830B1F3}"/>
+              </a:ext>
+            </a:extLst>
+          </p:cNvPr>
+          <p:cNvSpPr/>
+          <p:nvPr/>
+        </p:nvSpPr>
+        <p:spPr>
+          <a:xfrm>
+            <a:off x="4885525" y="5097831"/>
+            <a:ext cx="575584" cy="502869"/>
+          </a:xfrm>
+          <a:prstGeom prst="roundRect">
+            <a:avLst/>
+          </a:prstGeom>
+        </p:spPr>
+        <p:style>
+          <a:lnRef idx="2">
+            <a:schemeClr val="accent6"/>
+          </a:lnRef>
+          <a:fillRef idx="1">
+            <a:schemeClr val="lt1"/>
+          </a:fillRef>
+          <a:effectRef idx="0">
+            <a:schemeClr val="accent6"/>
+          </a:effectRef>
+          <a:fontRef idx="minor">
+            <a:schemeClr val="dk1"/>
+          </a:fontRef>
+        </p:style>
+        <p:txBody>
+          <a:bodyPr rtlCol="0" anchor="ctr"/>
+          <a:lstStyle/>
+          <a:p>
+            <a:pPr algn="ctr"/>
+            <a:r>
+              <a:rPr lang="en-US" sz="1000" dirty="0"/>
+              <a:t>USB Hub</a:t>
+            </a:r>
+          </a:p>
+        </p:txBody>
+      </p:sp>
+      <p:sp>
+        <p:nvSpPr>
+          <p:cNvPr id="28" name="TextBox 27">
+            <a:extLst>
+              <a:ext uri="{FF2B5EF4-FFF2-40B4-BE49-F238E27FC236}">
+                <a16:creationId xmlns:a16="http://schemas.microsoft.com/office/drawing/2014/main" id="{FAD201C8-1824-46CC-AED9-EA6BDE8E6D6E}"/>
+              </a:ext>
+            </a:extLst>
+          </p:cNvPr>
+          <p:cNvSpPr txBox="1"/>
+          <p:nvPr/>
+        </p:nvSpPr>
+        <p:spPr>
+          <a:xfrm>
+            <a:off x="5067300" y="2151897"/>
+            <a:ext cx="350258" cy="246222"/>
+          </a:xfrm>
+          <a:prstGeom prst="rect">
+            <a:avLst/>
+          </a:prstGeom>
+          <a:noFill/>
+        </p:spPr>
+        <p:txBody>
+          <a:bodyPr wrap="square" rtlCol="0">
+            <a:spAutoFit/>
+          </a:bodyPr>
+          <a:lstStyle/>
+          <a:p>
+            <a:pPr algn="ctr"/>
+            <a:r>
+              <a:rPr lang="en-US" sz="1000" dirty="0"/>
+              <a:t>P9</a:t>
+            </a:r>
+          </a:p>
+        </p:txBody>
+      </p:sp>
+      <p:sp>
+        <p:nvSpPr>
+          <p:cNvPr id="29" name="TextBox 28">
+            <a:extLst>
+              <a:ext uri="{FF2B5EF4-FFF2-40B4-BE49-F238E27FC236}">
+                <a16:creationId xmlns:a16="http://schemas.microsoft.com/office/drawing/2014/main" id="{A1EB7641-B9E7-437E-AF46-8047721309B8}"/>
+              </a:ext>
+            </a:extLst>
+          </p:cNvPr>
+          <p:cNvSpPr txBox="1"/>
+          <p:nvPr/>
+        </p:nvSpPr>
+        <p:spPr>
+          <a:xfrm>
+            <a:off x="6610081" y="2154078"/>
+            <a:ext cx="350258" cy="246222"/>
+          </a:xfrm>
+          <a:prstGeom prst="rect">
+            <a:avLst/>
+          </a:prstGeom>
+          <a:noFill/>
+        </p:spPr>
+        <p:txBody>
+          <a:bodyPr wrap="square" rtlCol="0">
+            <a:spAutoFit/>
+          </a:bodyPr>
+          <a:lstStyle/>
+          <a:p>
+            <a:pPr algn="ctr"/>
+            <a:r>
+              <a:rPr lang="en-US" sz="1000" dirty="0"/>
+              <a:t>P8</a:t>
+            </a:r>
+          </a:p>
+        </p:txBody>
+      </p:sp>
+      <p:sp>
+        <p:nvSpPr>
+          <p:cNvPr id="33" name="TextBox 32">
+            <a:extLst>
+              <a:ext uri="{FF2B5EF4-FFF2-40B4-BE49-F238E27FC236}">
+                <a16:creationId xmlns:a16="http://schemas.microsoft.com/office/drawing/2014/main" id="{1E9DB93B-4713-4773-983F-95E57B65B60C}"/>
+              </a:ext>
+            </a:extLst>
+          </p:cNvPr>
+          <p:cNvSpPr txBox="1"/>
+          <p:nvPr/>
+        </p:nvSpPr>
+        <p:spPr>
+          <a:xfrm>
+            <a:off x="4952038" y="4390252"/>
+            <a:ext cx="496262" cy="400110"/>
+          </a:xfrm>
+          <a:prstGeom prst="rect">
+            <a:avLst/>
+          </a:prstGeom>
+          <a:noFill/>
+        </p:spPr>
+        <p:txBody>
+          <a:bodyPr wrap="square" rtlCol="0">
+            <a:spAutoFit/>
+          </a:bodyPr>
+          <a:lstStyle/>
+          <a:p>
+            <a:pPr algn="ctr"/>
+            <a:r>
               <a:rPr lang="en-US" sz="1000" dirty="0">
                 <a:solidFill>
                   <a:schemeClr val="bg1"/>
                 </a:solidFill>
               </a:rPr>
-              <a:t>USB</a:t>
+              <a:t>USB Host</a:t>
             </a:r>
           </a:p>
         </p:txBody>
       </p:sp>
       <p:cxnSp>
         <p:nvCxnSpPr>
-          <p:cNvPr id="21" name="Straight Connector 20">
+          <p:cNvPr id="34" name="Straight Connector 33">
             <a:extLst>
               <a:ext uri="{FF2B5EF4-FFF2-40B4-BE49-F238E27FC236}">
-                <a16:creationId xmlns:a16="http://schemas.microsoft.com/office/drawing/2014/main" id="{E352557A-93B4-6847-BC35-763017262D84}"/>
+                <a16:creationId xmlns:a16="http://schemas.microsoft.com/office/drawing/2014/main" id="{6ED4F4D7-E3BF-4483-80E8-193FFAAA9811}"/>
+              </a:ext>
+            </a:extLst>
+          </p:cNvPr>
+          <p:cNvCxnSpPr>
+            <a:cxnSpLocks/>
+          </p:cNvCxnSpPr>
+          <p:nvPr/>
+        </p:nvCxnSpPr>
+        <p:spPr>
+          <a:xfrm flipH="1" flipV="1">
+            <a:off x="6150047" y="4832054"/>
+            <a:ext cx="1" cy="256022"/>
+          </a:xfrm>
+          <a:prstGeom prst="line">
+            <a:avLst/>
+          </a:prstGeom>
+          <a:ln w="12700"/>
+        </p:spPr>
+        <p:style>
+          <a:lnRef idx="1">
+            <a:schemeClr val="dk1"/>
+          </a:lnRef>
+          <a:fillRef idx="0">
+            <a:schemeClr val="dk1"/>
+          </a:fillRef>
+          <a:effectRef idx="0">
+            <a:schemeClr val="dk1"/>
+          </a:effectRef>
+          <a:fontRef idx="minor">
+            <a:schemeClr val="tx1"/>
+          </a:fontRef>
+        </p:style>
+      </p:cxnSp>
+      <p:sp>
+        <p:nvSpPr>
+          <p:cNvPr id="40" name="TextBox 39">
+            <a:extLst>
+              <a:ext uri="{FF2B5EF4-FFF2-40B4-BE49-F238E27FC236}">
+                <a16:creationId xmlns:a16="http://schemas.microsoft.com/office/drawing/2014/main" id="{876C024A-0F44-481E-BB57-2257E02AED72}"/>
+              </a:ext>
+            </a:extLst>
+          </p:cNvPr>
+          <p:cNvSpPr txBox="1"/>
+          <p:nvPr/>
+        </p:nvSpPr>
+        <p:spPr>
+          <a:xfrm>
+            <a:off x="5896960" y="4482392"/>
+            <a:ext cx="517661" cy="246221"/>
+          </a:xfrm>
+          <a:prstGeom prst="rect">
+            <a:avLst/>
+          </a:prstGeom>
+          <a:noFill/>
+        </p:spPr>
+        <p:txBody>
+          <a:bodyPr wrap="square" rtlCol="0">
+            <a:spAutoFit/>
+          </a:bodyPr>
+          <a:lstStyle/>
+          <a:p>
+            <a:pPr algn="ctr"/>
+            <a:r>
+              <a:rPr lang="en-US" sz="1000" dirty="0">
+                <a:solidFill>
+                  <a:schemeClr val="bg1"/>
+                </a:solidFill>
+              </a:rPr>
+              <a:t>HDMI</a:t>
+            </a:r>
+          </a:p>
+        </p:txBody>
+      </p:sp>
+      <p:sp>
+        <p:nvSpPr>
+          <p:cNvPr id="49" name="Rounded Rectangle 35">
+            <a:extLst>
+              <a:ext uri="{FF2B5EF4-FFF2-40B4-BE49-F238E27FC236}">
+                <a16:creationId xmlns:a16="http://schemas.microsoft.com/office/drawing/2014/main" id="{B3C41E18-1FE7-4597-A394-C9494B279403}"/>
+              </a:ext>
+            </a:extLst>
+          </p:cNvPr>
+          <p:cNvSpPr/>
+          <p:nvPr/>
+        </p:nvSpPr>
+        <p:spPr>
+          <a:xfrm>
+            <a:off x="3690580" y="5094273"/>
+            <a:ext cx="729020" cy="506427"/>
+          </a:xfrm>
+          <a:prstGeom prst="roundRect">
+            <a:avLst/>
+          </a:prstGeom>
+        </p:spPr>
+        <p:style>
+          <a:lnRef idx="2">
+            <a:schemeClr val="accent6"/>
+          </a:lnRef>
+          <a:fillRef idx="1">
+            <a:schemeClr val="lt1"/>
+          </a:fillRef>
+          <a:effectRef idx="0">
+            <a:schemeClr val="accent6"/>
+          </a:effectRef>
+          <a:fontRef idx="minor">
+            <a:schemeClr val="dk1"/>
+          </a:fontRef>
+        </p:style>
+        <p:txBody>
+          <a:bodyPr rtlCol="0" anchor="ctr"/>
+          <a:lstStyle/>
+          <a:p>
+            <a:pPr algn="ctr"/>
+            <a:r>
+              <a:rPr lang="en-US" sz="1000" dirty="0" err="1"/>
+              <a:t>WiFi</a:t>
+            </a:r>
+            <a:r>
+              <a:rPr lang="en-US" sz="1000" dirty="0"/>
+              <a:t> Adapter</a:t>
+            </a:r>
+          </a:p>
+        </p:txBody>
+      </p:sp>
+      <p:cxnSp>
+        <p:nvCxnSpPr>
+          <p:cNvPr id="52" name="Straight Connector 51">
+            <a:extLst>
+              <a:ext uri="{FF2B5EF4-FFF2-40B4-BE49-F238E27FC236}">
+                <a16:creationId xmlns:a16="http://schemas.microsoft.com/office/drawing/2014/main" id="{7CC05FB5-A80B-4BA7-9C29-CBED1A731ECD}"/>
               </a:ext>
             </a:extLst>
           </p:cNvPr>
@@ -16575,8 +17013,94 @@
         </p:nvCxnSpPr>
         <p:spPr>
           <a:xfrm flipH="1">
-            <a:off x="7209205" y="3434251"/>
-            <a:ext cx="639395" cy="3560"/>
+            <a:off x="4423974" y="5372099"/>
+            <a:ext cx="444522" cy="0"/>
+          </a:xfrm>
+          <a:prstGeom prst="line">
+            <a:avLst/>
+          </a:prstGeom>
+          <a:ln w="12700"/>
+        </p:spPr>
+        <p:style>
+          <a:lnRef idx="1">
+            <a:schemeClr val="dk1"/>
+          </a:lnRef>
+          <a:fillRef idx="0">
+            <a:schemeClr val="dk1"/>
+          </a:fillRef>
+          <a:effectRef idx="0">
+            <a:schemeClr val="dk1"/>
+          </a:effectRef>
+          <a:fontRef idx="minor">
+            <a:schemeClr val="tx1"/>
+          </a:fontRef>
+        </p:style>
+      </p:cxnSp>
+      <p:sp>
+        <p:nvSpPr>
+          <p:cNvPr id="53" name="Rounded Rectangle 35">
+            <a:extLst>
+              <a:ext uri="{FF2B5EF4-FFF2-40B4-BE49-F238E27FC236}">
+                <a16:creationId xmlns:a16="http://schemas.microsoft.com/office/drawing/2014/main" id="{60EEF136-EEC6-4F54-A654-BDE4CBE11244}"/>
+              </a:ext>
+            </a:extLst>
+          </p:cNvPr>
+          <p:cNvSpPr/>
+          <p:nvPr/>
+        </p:nvSpPr>
+        <p:spPr>
+          <a:xfrm>
+            <a:off x="4873778" y="5991435"/>
+            <a:ext cx="583248" cy="502869"/>
+          </a:xfrm>
+          <a:prstGeom prst="roundRect">
+            <a:avLst/>
+          </a:prstGeom>
+        </p:spPr>
+        <p:style>
+          <a:lnRef idx="2">
+            <a:schemeClr val="accent6"/>
+          </a:lnRef>
+          <a:fillRef idx="1">
+            <a:schemeClr val="lt1"/>
+          </a:fillRef>
+          <a:effectRef idx="0">
+            <a:schemeClr val="accent6"/>
+          </a:effectRef>
+          <a:fontRef idx="minor">
+            <a:schemeClr val="dk1"/>
+          </a:fontRef>
+        </p:style>
+        <p:txBody>
+          <a:bodyPr rtlCol="0" anchor="ctr"/>
+          <a:lstStyle/>
+          <a:p>
+            <a:pPr algn="ctr"/>
+            <a:r>
+              <a:rPr lang="en-US" sz="1000" dirty="0"/>
+              <a:t>Wall Outlet</a:t>
+            </a:r>
+          </a:p>
+        </p:txBody>
+      </p:sp>
+      <p:cxnSp>
+        <p:nvCxnSpPr>
+          <p:cNvPr id="71" name="Straight Connector 70">
+            <a:extLst>
+              <a:ext uri="{FF2B5EF4-FFF2-40B4-BE49-F238E27FC236}">
+                <a16:creationId xmlns:a16="http://schemas.microsoft.com/office/drawing/2014/main" id="{75C1223E-DEF7-413F-B5C3-AAB4948DD434}"/>
+              </a:ext>
+            </a:extLst>
+          </p:cNvPr>
+          <p:cNvCxnSpPr>
+            <a:cxnSpLocks/>
+          </p:cNvCxnSpPr>
+          <p:nvPr/>
+        </p:nvCxnSpPr>
+        <p:spPr>
+          <a:xfrm flipH="1" flipV="1">
+            <a:off x="5173316" y="4828779"/>
+            <a:ext cx="1" cy="256022"/>
           </a:xfrm>
           <a:prstGeom prst="line">
             <a:avLst/>
@@ -16600,61 +17124,23 @@
       </p:cxnSp>
       <p:cxnSp>
         <p:nvCxnSpPr>
-          <p:cNvPr id="24" name="Straight Connector 23">
+          <p:cNvPr id="80" name="Straight Connector 79">
             <a:extLst>
               <a:ext uri="{FF2B5EF4-FFF2-40B4-BE49-F238E27FC236}">
-                <a16:creationId xmlns:a16="http://schemas.microsoft.com/office/drawing/2014/main" id="{C254F364-9A6E-4349-B801-6EB2F576E2F9}"/>
+                <a16:creationId xmlns:a16="http://schemas.microsoft.com/office/drawing/2014/main" id="{B6520739-10B5-4E27-9342-7FCF21931AC3}"/>
               </a:ext>
             </a:extLst>
           </p:cNvPr>
           <p:cNvCxnSpPr>
             <a:cxnSpLocks/>
+            <a:stCxn id="53" idx="0"/>
           </p:cNvCxnSpPr>
           <p:nvPr/>
         </p:nvCxnSpPr>
         <p:spPr>
-          <a:xfrm flipH="1">
-            <a:off x="4618405" y="4888935"/>
-            <a:ext cx="639395" cy="3560"/>
-          </a:xfrm>
-          <a:prstGeom prst="line">
-            <a:avLst/>
-          </a:prstGeom>
-          <a:ln w="12700"/>
-        </p:spPr>
-        <p:style>
-          <a:lnRef idx="1">
-            <a:schemeClr val="dk1"/>
-          </a:lnRef>
-          <a:fillRef idx="0">
-            <a:schemeClr val="dk1"/>
-          </a:fillRef>
-          <a:effectRef idx="0">
-            <a:schemeClr val="dk1"/>
-          </a:effectRef>
-          <a:fontRef idx="minor">
-            <a:schemeClr val="tx1"/>
-          </a:fontRef>
-        </p:style>
-      </p:cxnSp>
-      <p:cxnSp>
-        <p:nvCxnSpPr>
-          <p:cNvPr id="25" name="Straight Connector 24">
-            <a:extLst>
-              <a:ext uri="{FF2B5EF4-FFF2-40B4-BE49-F238E27FC236}">
-                <a16:creationId xmlns:a16="http://schemas.microsoft.com/office/drawing/2014/main" id="{684AE091-2D89-594F-9D2F-7B9770FE2A7D}"/>
-              </a:ext>
-            </a:extLst>
-          </p:cNvPr>
-          <p:cNvCxnSpPr>
-            <a:cxnSpLocks/>
-          </p:cNvCxnSpPr>
-          <p:nvPr/>
-        </p:nvCxnSpPr>
-        <p:spPr>
-          <a:xfrm flipH="1" flipV="1">
-            <a:off x="6362699" y="2008710"/>
-            <a:ext cx="1" cy="620371"/>
+          <a:xfrm flipV="1">
+            <a:off x="5165402" y="5594055"/>
+            <a:ext cx="0" cy="397380"/>
           </a:xfrm>
           <a:prstGeom prst="line">
             <a:avLst/>
@@ -16678,98 +17164,10 @@
       </p:cxnSp>
       <p:sp>
         <p:nvSpPr>
-          <p:cNvPr id="27" name="Rounded Rectangle 26">
+          <p:cNvPr id="26" name="TextBox 25">
             <a:extLst>
               <a:ext uri="{FF2B5EF4-FFF2-40B4-BE49-F238E27FC236}">
-                <a16:creationId xmlns:a16="http://schemas.microsoft.com/office/drawing/2014/main" id="{66356683-3548-2143-BD59-6033FF08F638}"/>
-              </a:ext>
-            </a:extLst>
-          </p:cNvPr>
-          <p:cNvSpPr/>
-          <p:nvPr/>
-        </p:nvSpPr>
-        <p:spPr>
-          <a:xfrm>
-            <a:off x="7696200" y="3084165"/>
-            <a:ext cx="1104900" cy="609601"/>
-          </a:xfrm>
-          <a:prstGeom prst="roundRect">
-            <a:avLst/>
-          </a:prstGeom>
-        </p:spPr>
-        <p:style>
-          <a:lnRef idx="2">
-            <a:schemeClr val="accent6"/>
-          </a:lnRef>
-          <a:fillRef idx="1">
-            <a:schemeClr val="lt1"/>
-          </a:fillRef>
-          <a:effectRef idx="0">
-            <a:schemeClr val="accent6"/>
-          </a:effectRef>
-          <a:fontRef idx="minor">
-            <a:schemeClr val="dk1"/>
-          </a:fontRef>
-        </p:style>
-        <p:txBody>
-          <a:bodyPr rtlCol="0" anchor="ctr"/>
-          <a:lstStyle/>
-          <a:p>
-            <a:pPr algn="ctr"/>
-            <a:endParaRPr lang="en-US"/>
-          </a:p>
-        </p:txBody>
-      </p:sp>
-      <p:sp>
-        <p:nvSpPr>
-          <p:cNvPr id="30" name="Rounded Rectangle 29">
-            <a:extLst>
-              <a:ext uri="{FF2B5EF4-FFF2-40B4-BE49-F238E27FC236}">
-                <a16:creationId xmlns:a16="http://schemas.microsoft.com/office/drawing/2014/main" id="{4EF604C2-A18E-604B-8689-0A96C874DE1A}"/>
-              </a:ext>
-            </a:extLst>
-          </p:cNvPr>
-          <p:cNvSpPr/>
-          <p:nvPr/>
-        </p:nvSpPr>
-        <p:spPr>
-          <a:xfrm>
-            <a:off x="5935060" y="1409698"/>
-            <a:ext cx="719016" cy="609601"/>
-          </a:xfrm>
-          <a:prstGeom prst="roundRect">
-            <a:avLst/>
-          </a:prstGeom>
-        </p:spPr>
-        <p:style>
-          <a:lnRef idx="2">
-            <a:schemeClr val="accent6"/>
-          </a:lnRef>
-          <a:fillRef idx="1">
-            <a:schemeClr val="lt1"/>
-          </a:fillRef>
-          <a:effectRef idx="0">
-            <a:schemeClr val="accent6"/>
-          </a:effectRef>
-          <a:fontRef idx="minor">
-            <a:schemeClr val="dk1"/>
-          </a:fontRef>
-        </p:style>
-        <p:txBody>
-          <a:bodyPr rtlCol="0" anchor="ctr"/>
-          <a:lstStyle/>
-          <a:p>
-            <a:pPr algn="ctr"/>
-            <a:endParaRPr lang="en-US"/>
-          </a:p>
-        </p:txBody>
-      </p:sp>
-      <p:sp>
-        <p:nvSpPr>
-          <p:cNvPr id="31" name="TextBox 30">
-            <a:extLst>
-              <a:ext uri="{FF2B5EF4-FFF2-40B4-BE49-F238E27FC236}">
-                <a16:creationId xmlns:a16="http://schemas.microsoft.com/office/drawing/2014/main" id="{E7BC4823-60EC-BA46-AED1-7BC6C2ECAF64}"/>
+                <a16:creationId xmlns:a16="http://schemas.microsoft.com/office/drawing/2014/main" id="{04E5B418-116C-4FD6-A9D2-9431DE56655D}"/>
               </a:ext>
             </a:extLst>
           </p:cNvPr>
@@ -16778,8 +17176,8 @@
         </p:nvSpPr>
         <p:spPr>
           <a:xfrm>
-            <a:off x="5905500" y="1465302"/>
-            <a:ext cx="838200" cy="553998"/>
+            <a:off x="5372100" y="5063287"/>
+            <a:ext cx="632619" cy="276999"/>
           </a:xfrm>
           <a:prstGeom prst="rect">
             <a:avLst/>
@@ -16793,156 +17191,163 @@
           <a:lstStyle/>
           <a:p>
             <a:r>
-              <a:rPr lang="en-US" sz="1000" dirty="0"/>
-              <a:t>Micro USB to Wall Adapter</a:t>
+              <a:rPr lang="en-US" sz="1200" dirty="0"/>
+              <a:t>Touch</a:t>
             </a:r>
           </a:p>
         </p:txBody>
       </p:sp>
-      <p:sp>
-        <p:nvSpPr>
-          <p:cNvPr id="32" name="TextBox 31">
+      <p:cxnSp>
+        <p:nvCxnSpPr>
+          <p:cNvPr id="19" name="Straight Connector 18">
             <a:extLst>
               <a:ext uri="{FF2B5EF4-FFF2-40B4-BE49-F238E27FC236}">
-                <a16:creationId xmlns:a16="http://schemas.microsoft.com/office/drawing/2014/main" id="{E9B4E457-87BC-534E-8DDC-2E73A0359805}"/>
+                <a16:creationId xmlns:a16="http://schemas.microsoft.com/office/drawing/2014/main" id="{9D2C3DA4-B4F4-46C0-ADD8-EB27A7BCBB56}"/>
               </a:ext>
             </a:extLst>
           </p:cNvPr>
-          <p:cNvSpPr txBox="1"/>
+          <p:cNvCxnSpPr>
+            <a:stCxn id="31" idx="3"/>
+            <a:endCxn id="31" idx="3"/>
+          </p:cNvCxnSpPr>
           <p:nvPr/>
-        </p:nvSpPr>
+        </p:nvCxnSpPr>
         <p:spPr>
           <a:xfrm>
-            <a:off x="7767493" y="3272023"/>
-            <a:ext cx="1028700" cy="246221"/>
+            <a:off x="7152409" y="1038197"/>
+            <a:ext cx="0" cy="0"/>
           </a:xfrm>
-          <a:prstGeom prst="rect">
-            <a:avLst/>
-          </a:prstGeom>
-          <a:noFill/>
-        </p:spPr>
-        <p:txBody>
-          <a:bodyPr wrap="square" rtlCol="0">
-            <a:spAutoFit/>
-          </a:bodyPr>
-          <a:lstStyle/>
-          <a:p>
-            <a:r>
-              <a:rPr lang="en-US" sz="1000" dirty="0"/>
-              <a:t>WiFi Adapter </a:t>
-            </a:r>
-          </a:p>
-        </p:txBody>
-      </p:sp>
-      <p:sp>
-        <p:nvSpPr>
-          <p:cNvPr id="39" name="TextBox 38">
-            <a:extLst>
-              <a:ext uri="{FF2B5EF4-FFF2-40B4-BE49-F238E27FC236}">
-                <a16:creationId xmlns:a16="http://schemas.microsoft.com/office/drawing/2014/main" id="{774C080E-E034-2547-BAE4-9C157CFC1180}"/>
-              </a:ext>
-            </a:extLst>
-          </p:cNvPr>
-          <p:cNvSpPr txBox="1"/>
-          <p:nvPr/>
-        </p:nvSpPr>
-        <p:spPr>
-          <a:xfrm>
-            <a:off x="5251903" y="2742883"/>
-            <a:ext cx="647677" cy="246221"/>
-          </a:xfrm>
-          <a:prstGeom prst="rect">
-            <a:avLst/>
-          </a:prstGeom>
-          <a:noFill/>
-        </p:spPr>
-        <p:txBody>
-          <a:bodyPr wrap="square" rtlCol="0">
-            <a:spAutoFit/>
-          </a:bodyPr>
-          <a:lstStyle/>
-          <a:p>
-            <a:pPr algn="ctr"/>
-            <a:r>
-              <a:rPr lang="en-US" sz="1000" dirty="0">
-                <a:solidFill>
-                  <a:schemeClr val="bg1"/>
-                </a:solidFill>
-              </a:rPr>
-              <a:t>PWM</a:t>
-            </a:r>
-          </a:p>
-        </p:txBody>
-      </p:sp>
-      <p:sp>
-        <p:nvSpPr>
-          <p:cNvPr id="41" name="Rounded Rectangle 40">
-            <a:extLst>
-              <a:ext uri="{FF2B5EF4-FFF2-40B4-BE49-F238E27FC236}">
-                <a16:creationId xmlns:a16="http://schemas.microsoft.com/office/drawing/2014/main" id="{81B2AA2E-E785-1C44-9B69-B7DBC59ED430}"/>
-              </a:ext>
-            </a:extLst>
-          </p:cNvPr>
-          <p:cNvSpPr/>
-          <p:nvPr/>
-        </p:nvSpPr>
-        <p:spPr>
-          <a:xfrm>
-            <a:off x="5132765" y="1449314"/>
-            <a:ext cx="658435" cy="609601"/>
-          </a:xfrm>
-          <a:prstGeom prst="roundRect">
+          <a:prstGeom prst="line">
             <a:avLst/>
           </a:prstGeom>
         </p:spPr>
         <p:style>
-          <a:lnRef idx="2">
-            <a:schemeClr val="accent6"/>
+          <a:lnRef idx="1">
+            <a:schemeClr val="accent1"/>
           </a:lnRef>
-          <a:fillRef idx="1">
-            <a:schemeClr val="lt1"/>
+          <a:fillRef idx="0">
+            <a:schemeClr val="accent1"/>
           </a:fillRef>
           <a:effectRef idx="0">
-            <a:schemeClr val="accent6"/>
+            <a:schemeClr val="accent1"/>
           </a:effectRef>
           <a:fontRef idx="minor">
-            <a:schemeClr val="dk1"/>
+            <a:schemeClr val="tx1"/>
           </a:fontRef>
         </p:style>
-        <p:txBody>
-          <a:bodyPr rtlCol="0" anchor="ctr"/>
-          <a:lstStyle/>
-          <a:p>
-            <a:pPr algn="ctr"/>
-            <a:r>
-              <a:rPr lang="en-US" sz="1000" dirty="0"/>
-              <a:t>Switch</a:t>
-            </a:r>
-          </a:p>
-        </p:txBody>
-      </p:sp>
+      </p:cxnSp>
       <p:cxnSp>
         <p:nvCxnSpPr>
-          <p:cNvPr id="44" name="Straight Arrow Connector 43">
+          <p:cNvPr id="21" name="Straight Connector 20">
             <a:extLst>
               <a:ext uri="{FF2B5EF4-FFF2-40B4-BE49-F238E27FC236}">
-                <a16:creationId xmlns:a16="http://schemas.microsoft.com/office/drawing/2014/main" id="{2A11D71E-CD8F-0E44-B7BA-6AE3032479EA}"/>
+                <a16:creationId xmlns:a16="http://schemas.microsoft.com/office/drawing/2014/main" id="{A835D2CE-C5FE-404C-A49D-B2D0A2F0A7C4}"/>
               </a:ext>
             </a:extLst>
           </p:cNvPr>
-          <p:cNvCxnSpPr/>
+          <p:cNvCxnSpPr>
+            <a:cxnSpLocks/>
+          </p:cNvCxnSpPr>
           <p:nvPr/>
         </p:nvCxnSpPr>
         <p:spPr>
           <a:xfrm>
-            <a:off x="5197289" y="4562312"/>
-            <a:ext cx="914400" cy="914400"/>
+            <a:off x="7124700" y="1038197"/>
+            <a:ext cx="1534391" cy="0"/>
           </a:xfrm>
-          <a:prstGeom prst="straightConnector1">
+          <a:prstGeom prst="line">
             <a:avLst/>
           </a:prstGeom>
-          <a:ln>
-            <a:tailEnd type="triangle"/>
+          <a:ln w="12700">
+            <a:solidFill>
+              <a:schemeClr val="tx1"/>
+            </a:solidFill>
+          </a:ln>
+        </p:spPr>
+        <p:style>
+          <a:lnRef idx="1">
+            <a:schemeClr val="accent1"/>
+          </a:lnRef>
+          <a:fillRef idx="0">
+            <a:schemeClr val="accent1"/>
+          </a:fillRef>
+          <a:effectRef idx="0">
+            <a:schemeClr val="accent1"/>
+          </a:effectRef>
+          <a:fontRef idx="minor">
+            <a:schemeClr val="tx1"/>
+          </a:fontRef>
+        </p:style>
+      </p:cxnSp>
+      <p:cxnSp>
+        <p:nvCxnSpPr>
+          <p:cNvPr id="23" name="Straight Connector 22">
+            <a:extLst>
+              <a:ext uri="{FF2B5EF4-FFF2-40B4-BE49-F238E27FC236}">
+                <a16:creationId xmlns:a16="http://schemas.microsoft.com/office/drawing/2014/main" id="{10E38CAA-0546-4C8A-B34D-A02B2A6B42FC}"/>
+              </a:ext>
+            </a:extLst>
+          </p:cNvPr>
+          <p:cNvCxnSpPr>
+            <a:cxnSpLocks/>
+          </p:cNvCxnSpPr>
+          <p:nvPr/>
+        </p:nvCxnSpPr>
+        <p:spPr>
+          <a:xfrm>
+            <a:off x="8659091" y="1038197"/>
+            <a:ext cx="0" cy="4802096"/>
+          </a:xfrm>
+          <a:prstGeom prst="line">
+            <a:avLst/>
+          </a:prstGeom>
+          <a:ln w="12700">
+            <a:solidFill>
+              <a:schemeClr val="tx1"/>
+            </a:solidFill>
+          </a:ln>
+        </p:spPr>
+        <p:style>
+          <a:lnRef idx="1">
+            <a:schemeClr val="accent1"/>
+          </a:lnRef>
+          <a:fillRef idx="0">
+            <a:schemeClr val="accent1"/>
+          </a:fillRef>
+          <a:effectRef idx="0">
+            <a:schemeClr val="accent1"/>
+          </a:effectRef>
+          <a:fontRef idx="minor">
+            <a:schemeClr val="tx1"/>
+          </a:fontRef>
+        </p:style>
+      </p:cxnSp>
+      <p:cxnSp>
+        <p:nvCxnSpPr>
+          <p:cNvPr id="38" name="Straight Connector 37">
+            <a:extLst>
+              <a:ext uri="{FF2B5EF4-FFF2-40B4-BE49-F238E27FC236}">
+                <a16:creationId xmlns:a16="http://schemas.microsoft.com/office/drawing/2014/main" id="{A2AD2772-3012-4C00-98D7-63C7A147AC45}"/>
+              </a:ext>
+            </a:extLst>
+          </p:cNvPr>
+          <p:cNvCxnSpPr>
+            <a:cxnSpLocks/>
+          </p:cNvCxnSpPr>
+          <p:nvPr/>
+        </p:nvCxnSpPr>
+        <p:spPr>
+          <a:xfrm>
+            <a:off x="5165402" y="5832265"/>
+            <a:ext cx="3493689" cy="8028"/>
+          </a:xfrm>
+          <a:prstGeom prst="line">
+            <a:avLst/>
+          </a:prstGeom>
+          <a:ln w="12700">
+            <a:solidFill>
+              <a:schemeClr val="tx1"/>
+            </a:solidFill>
           </a:ln>
         </p:spPr>
         <p:style>
@@ -16962,10 +17367,10 @@
       </p:cxnSp>
       <p:sp>
         <p:nvSpPr>
-          <p:cNvPr id="45" name="TextBox 44">
+          <p:cNvPr id="62" name="TextBox 61">
             <a:extLst>
               <a:ext uri="{FF2B5EF4-FFF2-40B4-BE49-F238E27FC236}">
-                <a16:creationId xmlns:a16="http://schemas.microsoft.com/office/drawing/2014/main" id="{095F8B15-E4D2-2742-9EE8-666965E0ABA4}"/>
+                <a16:creationId xmlns:a16="http://schemas.microsoft.com/office/drawing/2014/main" id="{A3C889BC-758C-4339-A52A-31D1E6953739}"/>
               </a:ext>
             </a:extLst>
           </p:cNvPr>
@@ -16974,8 +17379,8 @@
         </p:nvSpPr>
         <p:spPr>
           <a:xfrm>
-            <a:off x="6512127" y="4091278"/>
-            <a:ext cx="647677" cy="246221"/>
+            <a:off x="7034876" y="1280533"/>
+            <a:ext cx="1082731" cy="461665"/>
           </a:xfrm>
           <a:prstGeom prst="rect">
             <a:avLst/>
@@ -16988,104 +17393,19 @@
           </a:bodyPr>
           <a:lstStyle/>
           <a:p>
-            <a:pPr algn="ctr"/>
             <a:r>
-              <a:rPr lang="en-US" sz="1000" dirty="0">
-                <a:solidFill>
-                  <a:schemeClr val="bg1"/>
-                </a:solidFill>
-              </a:rPr>
-              <a:t>GND</a:t>
-            </a:r>
-          </a:p>
-        </p:txBody>
-      </p:sp>
-      <p:sp>
-        <p:nvSpPr>
-          <p:cNvPr id="46" name="Rounded Rectangle 45">
-            <a:extLst>
-              <a:ext uri="{FF2B5EF4-FFF2-40B4-BE49-F238E27FC236}">
-                <a16:creationId xmlns:a16="http://schemas.microsoft.com/office/drawing/2014/main" id="{75C84915-4B0D-4048-977D-9C37D710099D}"/>
-              </a:ext>
-            </a:extLst>
-          </p:cNvPr>
-          <p:cNvSpPr/>
-          <p:nvPr/>
-        </p:nvSpPr>
-        <p:spPr>
-          <a:xfrm>
-            <a:off x="3505200" y="4596485"/>
-            <a:ext cx="1104900" cy="609601"/>
-          </a:xfrm>
-          <a:prstGeom prst="roundRect">
-            <a:avLst/>
-          </a:prstGeom>
-        </p:spPr>
-        <p:style>
-          <a:lnRef idx="2">
-            <a:schemeClr val="accent6"/>
-          </a:lnRef>
-          <a:fillRef idx="1">
-            <a:schemeClr val="lt1"/>
-          </a:fillRef>
-          <a:effectRef idx="0">
-            <a:schemeClr val="accent6"/>
-          </a:effectRef>
-          <a:fontRef idx="minor">
-            <a:schemeClr val="dk1"/>
-          </a:fontRef>
-        </p:style>
-        <p:txBody>
-          <a:bodyPr rtlCol="0" anchor="ctr"/>
-          <a:lstStyle/>
-          <a:p>
-            <a:pPr algn="ctr"/>
-            <a:endParaRPr lang="en-US"/>
-          </a:p>
-        </p:txBody>
-      </p:sp>
-      <p:sp>
-        <p:nvSpPr>
-          <p:cNvPr id="47" name="TextBox 46">
-            <a:extLst>
-              <a:ext uri="{FF2B5EF4-FFF2-40B4-BE49-F238E27FC236}">
-                <a16:creationId xmlns:a16="http://schemas.microsoft.com/office/drawing/2014/main" id="{75164A4C-5145-6E48-996D-C07A69606460}"/>
-              </a:ext>
-            </a:extLst>
-          </p:cNvPr>
-          <p:cNvSpPr txBox="1"/>
-          <p:nvPr/>
-        </p:nvSpPr>
-        <p:spPr>
-          <a:xfrm>
-            <a:off x="3657600" y="4683365"/>
-            <a:ext cx="752621" cy="400110"/>
-          </a:xfrm>
-          <a:prstGeom prst="rect">
-            <a:avLst/>
-          </a:prstGeom>
-          <a:noFill/>
-        </p:spPr>
-        <p:txBody>
-          <a:bodyPr wrap="square" rtlCol="0">
-            <a:spAutoFit/>
-          </a:bodyPr>
-          <a:lstStyle/>
-          <a:p>
-            <a:pPr algn="ctr"/>
-            <a:r>
-              <a:rPr lang="en-US" sz="1000" dirty="0"/>
-              <a:t>LCD Display</a:t>
+              <a:rPr lang="en-US" sz="1200" dirty="0"/>
+              <a:t>For Development</a:t>
             </a:r>
           </a:p>
         </p:txBody>
       </p:sp>
       <p:cxnSp>
         <p:nvCxnSpPr>
-          <p:cNvPr id="50" name="Straight Connector 49">
+          <p:cNvPr id="32" name="Straight Connector 31">
             <a:extLst>
               <a:ext uri="{FF2B5EF4-FFF2-40B4-BE49-F238E27FC236}">
-                <a16:creationId xmlns:a16="http://schemas.microsoft.com/office/drawing/2014/main" id="{F4ED8781-D8E5-ED4A-B8FC-32F89DAB4A4B}"/>
+                <a16:creationId xmlns:a16="http://schemas.microsoft.com/office/drawing/2014/main" id="{5DF78C38-8B18-4B9D-9ABA-EDF3064F5295}"/>
               </a:ext>
             </a:extLst>
           </p:cNvPr>
@@ -17096,266 +17416,8 @@
         </p:nvCxnSpPr>
         <p:spPr>
           <a:xfrm flipH="1">
-            <a:off x="7203590" y="4204205"/>
-            <a:ext cx="639395" cy="3560"/>
-          </a:xfrm>
-          <a:prstGeom prst="line">
-            <a:avLst/>
-          </a:prstGeom>
-          <a:ln w="12700"/>
-        </p:spPr>
-        <p:style>
-          <a:lnRef idx="1">
-            <a:schemeClr val="dk1"/>
-          </a:lnRef>
-          <a:fillRef idx="0">
-            <a:schemeClr val="dk1"/>
-          </a:fillRef>
-          <a:effectRef idx="0">
-            <a:schemeClr val="dk1"/>
-          </a:effectRef>
-          <a:fontRef idx="minor">
-            <a:schemeClr val="tx1"/>
-          </a:fontRef>
-        </p:style>
-      </p:cxnSp>
-      <p:sp>
-        <p:nvSpPr>
-          <p:cNvPr id="51" name="Rounded Rectangle 50">
-            <a:extLst>
-              <a:ext uri="{FF2B5EF4-FFF2-40B4-BE49-F238E27FC236}">
-                <a16:creationId xmlns:a16="http://schemas.microsoft.com/office/drawing/2014/main" id="{66AF1619-A30D-D645-A569-F175A830B1F3}"/>
-              </a:ext>
-            </a:extLst>
-          </p:cNvPr>
-          <p:cNvSpPr/>
-          <p:nvPr/>
-        </p:nvSpPr>
-        <p:spPr>
-          <a:xfrm>
-            <a:off x="7822202" y="3894621"/>
-            <a:ext cx="1104900" cy="609601"/>
-          </a:xfrm>
-          <a:prstGeom prst="roundRect">
-            <a:avLst/>
-          </a:prstGeom>
-        </p:spPr>
-        <p:style>
-          <a:lnRef idx="2">
-            <a:schemeClr val="accent6"/>
-          </a:lnRef>
-          <a:fillRef idx="1">
-            <a:schemeClr val="lt1"/>
-          </a:fillRef>
-          <a:effectRef idx="0">
-            <a:schemeClr val="accent6"/>
-          </a:effectRef>
-          <a:fontRef idx="minor">
-            <a:schemeClr val="dk1"/>
-          </a:fontRef>
-        </p:style>
-        <p:txBody>
-          <a:bodyPr rtlCol="0" anchor="ctr"/>
-          <a:lstStyle/>
-          <a:p>
-            <a:pPr algn="ctr"/>
-            <a:r>
-              <a:rPr lang="en-US" sz="1000" dirty="0"/>
-              <a:t>External Ground</a:t>
-            </a:r>
-          </a:p>
-        </p:txBody>
-      </p:sp>
-      <p:cxnSp>
-        <p:nvCxnSpPr>
-          <p:cNvPr id="42" name="Straight Connector 41">
-            <a:extLst>
-              <a:ext uri="{FF2B5EF4-FFF2-40B4-BE49-F238E27FC236}">
-                <a16:creationId xmlns:a16="http://schemas.microsoft.com/office/drawing/2014/main" id="{5E98592A-962C-2147-BF92-8B80ED69F2A1}"/>
-              </a:ext>
-            </a:extLst>
-          </p:cNvPr>
-          <p:cNvCxnSpPr>
-            <a:cxnSpLocks/>
-          </p:cNvCxnSpPr>
-          <p:nvPr/>
-        </p:nvCxnSpPr>
-        <p:spPr>
-          <a:xfrm flipH="1" flipV="1">
-            <a:off x="5524688" y="2044257"/>
-            <a:ext cx="1" cy="620371"/>
-          </a:xfrm>
-          <a:prstGeom prst="line">
-            <a:avLst/>
-          </a:prstGeom>
-          <a:ln w="12700"/>
-        </p:spPr>
-        <p:style>
-          <a:lnRef idx="1">
-            <a:schemeClr val="dk1"/>
-          </a:lnRef>
-          <a:fillRef idx="0">
-            <a:schemeClr val="dk1"/>
-          </a:fillRef>
-          <a:effectRef idx="0">
-            <a:schemeClr val="dk1"/>
-          </a:effectRef>
-          <a:fontRef idx="minor">
-            <a:schemeClr val="tx1"/>
-          </a:fontRef>
-        </p:style>
-      </p:cxnSp>
-      <p:sp>
-        <p:nvSpPr>
-          <p:cNvPr id="36" name="Rounded Rectangle 35">
-            <a:extLst>
-              <a:ext uri="{FF2B5EF4-FFF2-40B4-BE49-F238E27FC236}">
-                <a16:creationId xmlns:a16="http://schemas.microsoft.com/office/drawing/2014/main" id="{23C8296A-DFBF-1F42-B5CF-2302AB247A21}"/>
-              </a:ext>
-            </a:extLst>
-          </p:cNvPr>
-          <p:cNvSpPr/>
-          <p:nvPr/>
-        </p:nvSpPr>
-        <p:spPr>
-          <a:xfrm>
-            <a:off x="3456554" y="1465302"/>
-            <a:ext cx="1049981" cy="592099"/>
-          </a:xfrm>
-          <a:prstGeom prst="roundRect">
-            <a:avLst/>
-          </a:prstGeom>
-        </p:spPr>
-        <p:style>
-          <a:lnRef idx="2">
-            <a:schemeClr val="accent6"/>
-          </a:lnRef>
-          <a:fillRef idx="1">
-            <a:schemeClr val="lt1"/>
-          </a:fillRef>
-          <a:effectRef idx="0">
-            <a:schemeClr val="accent6"/>
-          </a:effectRef>
-          <a:fontRef idx="minor">
-            <a:schemeClr val="dk1"/>
-          </a:fontRef>
-        </p:style>
-        <p:txBody>
-          <a:bodyPr rtlCol="0" anchor="ctr"/>
-          <a:lstStyle/>
-          <a:p>
-            <a:pPr algn="ctr"/>
-            <a:r>
-              <a:rPr lang="en-US" sz="1000" dirty="0"/>
-              <a:t>LED Strips</a:t>
-            </a:r>
-          </a:p>
-        </p:txBody>
-      </p:sp>
-      <p:cxnSp>
-        <p:nvCxnSpPr>
-          <p:cNvPr id="37" name="Straight Connector 36">
-            <a:extLst>
-              <a:ext uri="{FF2B5EF4-FFF2-40B4-BE49-F238E27FC236}">
-                <a16:creationId xmlns:a16="http://schemas.microsoft.com/office/drawing/2014/main" id="{5F25F6F0-7776-5241-A128-D9AC95E3936A}"/>
-              </a:ext>
-            </a:extLst>
-          </p:cNvPr>
-          <p:cNvCxnSpPr>
-            <a:cxnSpLocks/>
-          </p:cNvCxnSpPr>
-          <p:nvPr/>
-        </p:nvCxnSpPr>
-        <p:spPr>
-          <a:xfrm flipH="1">
-            <a:off x="4495800" y="1752600"/>
-            <a:ext cx="639395" cy="3560"/>
-          </a:xfrm>
-          <a:prstGeom prst="line">
-            <a:avLst/>
-          </a:prstGeom>
-          <a:ln w="12700"/>
-        </p:spPr>
-        <p:style>
-          <a:lnRef idx="1">
-            <a:schemeClr val="dk1"/>
-          </a:lnRef>
-          <a:fillRef idx="0">
-            <a:schemeClr val="dk1"/>
-          </a:fillRef>
-          <a:effectRef idx="0">
-            <a:schemeClr val="dk1"/>
-          </a:effectRef>
-          <a:fontRef idx="minor">
-            <a:schemeClr val="tx1"/>
-          </a:fontRef>
-        </p:style>
-      </p:cxnSp>
-      <p:sp>
-        <p:nvSpPr>
-          <p:cNvPr id="43" name="Rounded Rectangle 42">
-            <a:extLst>
-              <a:ext uri="{FF2B5EF4-FFF2-40B4-BE49-F238E27FC236}">
-                <a16:creationId xmlns:a16="http://schemas.microsoft.com/office/drawing/2014/main" id="{EE38002D-C87F-7B4B-8D5D-C94306B08D0A}"/>
-              </a:ext>
-            </a:extLst>
-          </p:cNvPr>
-          <p:cNvSpPr/>
-          <p:nvPr/>
-        </p:nvSpPr>
-        <p:spPr>
-          <a:xfrm>
-            <a:off x="3580620" y="2649960"/>
-            <a:ext cx="1049981" cy="592099"/>
-          </a:xfrm>
-          <a:prstGeom prst="roundRect">
-            <a:avLst/>
-          </a:prstGeom>
-        </p:spPr>
-        <p:style>
-          <a:lnRef idx="2">
-            <a:schemeClr val="accent6"/>
-          </a:lnRef>
-          <a:fillRef idx="1">
-            <a:schemeClr val="lt1"/>
-          </a:fillRef>
-          <a:effectRef idx="0">
-            <a:schemeClr val="accent6"/>
-          </a:effectRef>
-          <a:fontRef idx="minor">
-            <a:schemeClr val="dk1"/>
-          </a:fontRef>
-        </p:style>
-        <p:txBody>
-          <a:bodyPr rtlCol="0" anchor="ctr"/>
-          <a:lstStyle/>
-          <a:p>
-            <a:pPr algn="ctr"/>
-            <a:r>
-              <a:rPr lang="en-US" sz="1000" dirty="0"/>
-              <a:t>Button</a:t>
-            </a:r>
-          </a:p>
-        </p:txBody>
-      </p:sp>
-      <p:cxnSp>
-        <p:nvCxnSpPr>
-          <p:cNvPr id="48" name="Straight Connector 47">
-            <a:extLst>
-              <a:ext uri="{FF2B5EF4-FFF2-40B4-BE49-F238E27FC236}">
-                <a16:creationId xmlns:a16="http://schemas.microsoft.com/office/drawing/2014/main" id="{6F7F0A1A-A13F-F444-89F8-F27492B75E70}"/>
-              </a:ext>
-            </a:extLst>
-          </p:cNvPr>
-          <p:cNvCxnSpPr>
-            <a:cxnSpLocks/>
-          </p:cNvCxnSpPr>
-          <p:nvPr/>
-        </p:nvCxnSpPr>
-        <p:spPr>
-          <a:xfrm flipH="1">
-            <a:off x="4619866" y="2937258"/>
-            <a:ext cx="639395" cy="3560"/>
+            <a:off x="5448300" y="5372100"/>
+            <a:ext cx="444522" cy="0"/>
           </a:xfrm>
           <a:prstGeom prst="line">
             <a:avLst/>
@@ -17380,7 +17442,7 @@
     </p:spTree>
     <p:extLst>
       <p:ext uri="{BB962C8B-B14F-4D97-AF65-F5344CB8AC3E}">
-        <p14:creationId xmlns:p14="http://schemas.microsoft.com/office/powerpoint/2010/main" val="231925663"/>
+        <p14:creationId xmlns:p14="http://schemas.microsoft.com/office/powerpoint/2010/main" val="613474123"/>
       </p:ext>
     </p:extLst>
   </p:cSld>
@@ -17421,6 +17483,41 @@
       </p:grpSpPr>
       <p:sp>
         <p:nvSpPr>
+          <p:cNvPr id="35" name="TextBox 34">
+            <a:extLst>
+              <a:ext uri="{FF2B5EF4-FFF2-40B4-BE49-F238E27FC236}">
+                <a16:creationId xmlns:a16="http://schemas.microsoft.com/office/drawing/2014/main" id="{6641F674-670E-46F8-8190-44D47AC01279}"/>
+              </a:ext>
+            </a:extLst>
+          </p:cNvPr>
+          <p:cNvSpPr txBox="1"/>
+          <p:nvPr/>
+        </p:nvSpPr>
+        <p:spPr>
+          <a:xfrm>
+            <a:off x="4446135" y="5105404"/>
+            <a:ext cx="495300" cy="276999"/>
+          </a:xfrm>
+          <a:prstGeom prst="rect">
+            <a:avLst/>
+          </a:prstGeom>
+          <a:noFill/>
+        </p:spPr>
+        <p:txBody>
+          <a:bodyPr wrap="square" rtlCol="0">
+            <a:spAutoFit/>
+          </a:bodyPr>
+          <a:lstStyle/>
+          <a:p>
+            <a:r>
+              <a:rPr lang="en-US" sz="1200" dirty="0"/>
+              <a:t>5 V</a:t>
+            </a:r>
+          </a:p>
+        </p:txBody>
+      </p:sp>
+      <p:sp>
+        <p:nvSpPr>
           <p:cNvPr id="2" name="Title 1">
             <a:extLst>
               <a:ext uri="{FF2B5EF4-FFF2-40B4-BE49-F238E27FC236}">
@@ -17461,8 +17558,8 @@
         </p:nvSpPr>
         <p:spPr>
           <a:xfrm>
-            <a:off x="5257800" y="2628900"/>
-            <a:ext cx="1943100" cy="3238500"/>
+            <a:off x="4838700" y="1600202"/>
+            <a:ext cx="2362200" cy="3238500"/>
           </a:xfrm>
           <a:prstGeom prst="roundRect">
             <a:avLst/>
@@ -17507,7 +17604,7 @@
         </p:nvSpPr>
         <p:spPr>
           <a:xfrm>
-            <a:off x="5676900" y="3695700"/>
+            <a:off x="5448300" y="2696170"/>
             <a:ext cx="1104900" cy="923330"/>
           </a:xfrm>
           <a:prstGeom prst="rect">
@@ -17569,7 +17666,7 @@
         </p:nvSpPr>
         <p:spPr>
           <a:xfrm>
-            <a:off x="6057923" y="2705101"/>
+            <a:off x="6477023" y="1657290"/>
             <a:ext cx="647677" cy="400110"/>
           </a:xfrm>
           <a:prstGeom prst="rect">
@@ -17590,28 +17687,100 @@
                   <a:schemeClr val="bg1"/>
                 </a:solidFill>
               </a:rPr>
-              <a:t>V_IN</a:t>
+              <a:t>USB Client</a:t>
             </a:r>
           </a:p>
+        </p:txBody>
+      </p:sp>
+      <p:cxnSp>
+        <p:nvCxnSpPr>
+          <p:cNvPr id="25" name="Straight Connector 24">
+            <a:extLst>
+              <a:ext uri="{FF2B5EF4-FFF2-40B4-BE49-F238E27FC236}">
+                <a16:creationId xmlns:a16="http://schemas.microsoft.com/office/drawing/2014/main" id="{684AE091-2D89-594F-9D2F-7B9770FE2A7D}"/>
+              </a:ext>
+            </a:extLst>
+          </p:cNvPr>
+          <p:cNvCxnSpPr>
+            <a:cxnSpLocks/>
+          </p:cNvCxnSpPr>
+          <p:nvPr/>
+        </p:nvCxnSpPr>
+        <p:spPr>
+          <a:xfrm flipH="1" flipV="1">
+            <a:off x="6781800" y="1326295"/>
+            <a:ext cx="1" cy="274089"/>
+          </a:xfrm>
+          <a:prstGeom prst="line">
+            <a:avLst/>
+          </a:prstGeom>
+          <a:ln w="12700"/>
+        </p:spPr>
+        <p:style>
+          <a:lnRef idx="1">
+            <a:schemeClr val="dk1"/>
+          </a:lnRef>
+          <a:fillRef idx="0">
+            <a:schemeClr val="dk1"/>
+          </a:fillRef>
+          <a:effectRef idx="0">
+            <a:schemeClr val="dk1"/>
+          </a:effectRef>
+          <a:fontRef idx="minor">
+            <a:schemeClr val="tx1"/>
+          </a:fontRef>
+        </p:style>
+      </p:cxnSp>
+      <p:sp>
+        <p:nvSpPr>
+          <p:cNvPr id="30" name="Rounded Rectangle 29">
+            <a:extLst>
+              <a:ext uri="{FF2B5EF4-FFF2-40B4-BE49-F238E27FC236}">
+                <a16:creationId xmlns:a16="http://schemas.microsoft.com/office/drawing/2014/main" id="{4EF604C2-A18E-604B-8689-0A96C874DE1A}"/>
+              </a:ext>
+            </a:extLst>
+          </p:cNvPr>
+          <p:cNvSpPr/>
+          <p:nvPr/>
+        </p:nvSpPr>
+        <p:spPr>
+          <a:xfrm>
+            <a:off x="6406458" y="723899"/>
+            <a:ext cx="719016" cy="609601"/>
+          </a:xfrm>
+          <a:prstGeom prst="roundRect">
+            <a:avLst/>
+          </a:prstGeom>
+        </p:spPr>
+        <p:style>
+          <a:lnRef idx="2">
+            <a:schemeClr val="accent6"/>
+          </a:lnRef>
+          <a:fillRef idx="1">
+            <a:schemeClr val="lt1"/>
+          </a:fillRef>
+          <a:effectRef idx="0">
+            <a:schemeClr val="accent6"/>
+          </a:effectRef>
+          <a:fontRef idx="minor">
+            <a:schemeClr val="dk1"/>
+          </a:fontRef>
+        </p:style>
+        <p:txBody>
+          <a:bodyPr rtlCol="0" anchor="ctr"/>
+          <a:lstStyle/>
           <a:p>
             <a:pPr algn="ctr"/>
-            <a:r>
-              <a:rPr lang="en-US" sz="1000" dirty="0">
-                <a:solidFill>
-                  <a:schemeClr val="bg1"/>
-                </a:solidFill>
-              </a:rPr>
-              <a:t>USB</a:t>
-            </a:r>
+            <a:endParaRPr lang="en-US"/>
           </a:p>
         </p:txBody>
       </p:sp>
       <p:sp>
         <p:nvSpPr>
-          <p:cNvPr id="19" name="TextBox 18">
+          <p:cNvPr id="31" name="TextBox 30">
             <a:extLst>
               <a:ext uri="{FF2B5EF4-FFF2-40B4-BE49-F238E27FC236}">
-                <a16:creationId xmlns:a16="http://schemas.microsoft.com/office/drawing/2014/main" id="{B6522FC6-9EF8-1A47-B30B-5A08288E3F84}"/>
+                <a16:creationId xmlns:a16="http://schemas.microsoft.com/office/drawing/2014/main" id="{E7BC4823-60EC-BA46-AED1-7BC6C2ECAF64}"/>
               </a:ext>
             </a:extLst>
           </p:cNvPr>
@@ -17620,8 +17789,8 @@
         </p:nvSpPr>
         <p:spPr>
           <a:xfrm>
-            <a:off x="5287383" y="4704605"/>
-            <a:ext cx="647677" cy="400110"/>
+            <a:off x="6400800" y="838142"/>
+            <a:ext cx="751609" cy="400110"/>
           </a:xfrm>
           <a:prstGeom prst="rect">
             <a:avLst/>
@@ -17634,24 +17803,63 @@
           </a:bodyPr>
           <a:lstStyle/>
           <a:p>
-            <a:pPr algn="ctr"/>
             <a:r>
-              <a:rPr lang="en-US" sz="1000" dirty="0">
-                <a:solidFill>
-                  <a:schemeClr val="bg1"/>
-                </a:solidFill>
-              </a:rPr>
-              <a:t>5 V SYS</a:t>
+              <a:rPr lang="en-US" sz="1000" dirty="0"/>
+              <a:t>USB to Computer</a:t>
             </a:r>
           </a:p>
         </p:txBody>
       </p:sp>
       <p:sp>
         <p:nvSpPr>
-          <p:cNvPr id="20" name="TextBox 19">
+          <p:cNvPr id="46" name="Rounded Rectangle 45">
             <a:extLst>
               <a:ext uri="{FF2B5EF4-FFF2-40B4-BE49-F238E27FC236}">
-                <a16:creationId xmlns:a16="http://schemas.microsoft.com/office/drawing/2014/main" id="{3C886F85-5F5F-EE42-BF04-0EBF75AC7B30}"/>
+                <a16:creationId xmlns:a16="http://schemas.microsoft.com/office/drawing/2014/main" id="{75C84915-4B0D-4048-977D-9C37D710099D}"/>
+              </a:ext>
+            </a:extLst>
+          </p:cNvPr>
+          <p:cNvSpPr/>
+          <p:nvPr/>
+        </p:nvSpPr>
+        <p:spPr>
+          <a:xfrm>
+            <a:off x="5897216" y="5087627"/>
+            <a:ext cx="545769" cy="506427"/>
+          </a:xfrm>
+          <a:prstGeom prst="roundRect">
+            <a:avLst/>
+          </a:prstGeom>
+        </p:spPr>
+        <p:style>
+          <a:lnRef idx="2">
+            <a:schemeClr val="accent6"/>
+          </a:lnRef>
+          <a:fillRef idx="1">
+            <a:schemeClr val="lt1"/>
+          </a:fillRef>
+          <a:effectRef idx="0">
+            <a:schemeClr val="accent6"/>
+          </a:effectRef>
+          <a:fontRef idx="minor">
+            <a:schemeClr val="dk1"/>
+          </a:fontRef>
+        </p:style>
+        <p:txBody>
+          <a:bodyPr rtlCol="0" anchor="ctr"/>
+          <a:lstStyle/>
+          <a:p>
+            <a:pPr algn="ctr"/>
+            <a:endParaRPr lang="en-US"/>
+          </a:p>
+        </p:txBody>
+      </p:sp>
+      <p:sp>
+        <p:nvSpPr>
+          <p:cNvPr id="47" name="TextBox 46">
+            <a:extLst>
+              <a:ext uri="{FF2B5EF4-FFF2-40B4-BE49-F238E27FC236}">
+                <a16:creationId xmlns:a16="http://schemas.microsoft.com/office/drawing/2014/main" id="{75164A4C-5145-6E48-996D-C07A69606460}"/>
               </a:ext>
             </a:extLst>
           </p:cNvPr>
@@ -17660,8 +17868,8 @@
         </p:nvSpPr>
         <p:spPr>
           <a:xfrm>
-            <a:off x="6539777" y="3311141"/>
-            <a:ext cx="647677" cy="246221"/>
+            <a:off x="5875707" y="5140231"/>
+            <a:ext cx="639393" cy="400110"/>
           </a:xfrm>
           <a:prstGeom prst="rect">
             <a:avLst/>
@@ -17676,22 +17884,307 @@
           <a:p>
             <a:pPr algn="ctr"/>
             <a:r>
+              <a:rPr lang="en-US" sz="1000" dirty="0"/>
+              <a:t>LCD Display</a:t>
+            </a:r>
+          </a:p>
+        </p:txBody>
+      </p:sp>
+      <p:sp>
+        <p:nvSpPr>
+          <p:cNvPr id="51" name="Rounded Rectangle 50">
+            <a:extLst>
+              <a:ext uri="{FF2B5EF4-FFF2-40B4-BE49-F238E27FC236}">
+                <a16:creationId xmlns:a16="http://schemas.microsoft.com/office/drawing/2014/main" id="{66AF1619-A30D-D645-A569-F175A830B1F3}"/>
+              </a:ext>
+            </a:extLst>
+          </p:cNvPr>
+          <p:cNvSpPr/>
+          <p:nvPr/>
+        </p:nvSpPr>
+        <p:spPr>
+          <a:xfrm>
+            <a:off x="4885525" y="5097831"/>
+            <a:ext cx="575584" cy="502869"/>
+          </a:xfrm>
+          <a:prstGeom prst="roundRect">
+            <a:avLst/>
+          </a:prstGeom>
+        </p:spPr>
+        <p:style>
+          <a:lnRef idx="2">
+            <a:schemeClr val="accent6"/>
+          </a:lnRef>
+          <a:fillRef idx="1">
+            <a:schemeClr val="lt1"/>
+          </a:fillRef>
+          <a:effectRef idx="0">
+            <a:schemeClr val="accent6"/>
+          </a:effectRef>
+          <a:fontRef idx="minor">
+            <a:schemeClr val="dk1"/>
+          </a:fontRef>
+        </p:style>
+        <p:txBody>
+          <a:bodyPr rtlCol="0" anchor="ctr"/>
+          <a:lstStyle/>
+          <a:p>
+            <a:pPr algn="ctr"/>
+            <a:r>
+              <a:rPr lang="en-US" sz="1000" dirty="0"/>
+              <a:t>USB Hub</a:t>
+            </a:r>
+          </a:p>
+        </p:txBody>
+      </p:sp>
+      <p:sp>
+        <p:nvSpPr>
+          <p:cNvPr id="28" name="TextBox 27">
+            <a:extLst>
+              <a:ext uri="{FF2B5EF4-FFF2-40B4-BE49-F238E27FC236}">
+                <a16:creationId xmlns:a16="http://schemas.microsoft.com/office/drawing/2014/main" id="{FAD201C8-1824-46CC-AED9-EA6BDE8E6D6E}"/>
+              </a:ext>
+            </a:extLst>
+          </p:cNvPr>
+          <p:cNvSpPr txBox="1"/>
+          <p:nvPr/>
+        </p:nvSpPr>
+        <p:spPr>
+          <a:xfrm>
+            <a:off x="5067300" y="2151897"/>
+            <a:ext cx="350258" cy="246222"/>
+          </a:xfrm>
+          <a:prstGeom prst="rect">
+            <a:avLst/>
+          </a:prstGeom>
+          <a:noFill/>
+        </p:spPr>
+        <p:txBody>
+          <a:bodyPr wrap="square" rtlCol="0">
+            <a:spAutoFit/>
+          </a:bodyPr>
+          <a:lstStyle/>
+          <a:p>
+            <a:pPr algn="ctr"/>
+            <a:r>
+              <a:rPr lang="en-US" sz="1000" dirty="0"/>
+              <a:t>P9</a:t>
+            </a:r>
+          </a:p>
+        </p:txBody>
+      </p:sp>
+      <p:sp>
+        <p:nvSpPr>
+          <p:cNvPr id="29" name="TextBox 28">
+            <a:extLst>
+              <a:ext uri="{FF2B5EF4-FFF2-40B4-BE49-F238E27FC236}">
+                <a16:creationId xmlns:a16="http://schemas.microsoft.com/office/drawing/2014/main" id="{A1EB7641-B9E7-437E-AF46-8047721309B8}"/>
+              </a:ext>
+            </a:extLst>
+          </p:cNvPr>
+          <p:cNvSpPr txBox="1"/>
+          <p:nvPr/>
+        </p:nvSpPr>
+        <p:spPr>
+          <a:xfrm>
+            <a:off x="6610081" y="2154078"/>
+            <a:ext cx="350258" cy="246222"/>
+          </a:xfrm>
+          <a:prstGeom prst="rect">
+            <a:avLst/>
+          </a:prstGeom>
+          <a:noFill/>
+        </p:spPr>
+        <p:txBody>
+          <a:bodyPr wrap="square" rtlCol="0">
+            <a:spAutoFit/>
+          </a:bodyPr>
+          <a:lstStyle/>
+          <a:p>
+            <a:pPr algn="ctr"/>
+            <a:r>
+              <a:rPr lang="en-US" sz="1000" dirty="0"/>
+              <a:t>P8</a:t>
+            </a:r>
+          </a:p>
+        </p:txBody>
+      </p:sp>
+      <p:sp>
+        <p:nvSpPr>
+          <p:cNvPr id="33" name="TextBox 32">
+            <a:extLst>
+              <a:ext uri="{FF2B5EF4-FFF2-40B4-BE49-F238E27FC236}">
+                <a16:creationId xmlns:a16="http://schemas.microsoft.com/office/drawing/2014/main" id="{1E9DB93B-4713-4773-983F-95E57B65B60C}"/>
+              </a:ext>
+            </a:extLst>
+          </p:cNvPr>
+          <p:cNvSpPr txBox="1"/>
+          <p:nvPr/>
+        </p:nvSpPr>
+        <p:spPr>
+          <a:xfrm>
+            <a:off x="4952038" y="4390252"/>
+            <a:ext cx="496262" cy="400110"/>
+          </a:xfrm>
+          <a:prstGeom prst="rect">
+            <a:avLst/>
+          </a:prstGeom>
+          <a:noFill/>
+        </p:spPr>
+        <p:txBody>
+          <a:bodyPr wrap="square" rtlCol="0">
+            <a:spAutoFit/>
+          </a:bodyPr>
+          <a:lstStyle/>
+          <a:p>
+            <a:pPr algn="ctr"/>
+            <a:r>
               <a:rPr lang="en-US" sz="1000" dirty="0">
                 <a:solidFill>
                   <a:schemeClr val="bg1"/>
                 </a:solidFill>
               </a:rPr>
-              <a:t>USB</a:t>
+              <a:t>USB Host</a:t>
             </a:r>
           </a:p>
         </p:txBody>
       </p:sp>
       <p:cxnSp>
         <p:nvCxnSpPr>
-          <p:cNvPr id="21" name="Straight Connector 20">
+          <p:cNvPr id="34" name="Straight Connector 33">
             <a:extLst>
               <a:ext uri="{FF2B5EF4-FFF2-40B4-BE49-F238E27FC236}">
-                <a16:creationId xmlns:a16="http://schemas.microsoft.com/office/drawing/2014/main" id="{E352557A-93B4-6847-BC35-763017262D84}"/>
+                <a16:creationId xmlns:a16="http://schemas.microsoft.com/office/drawing/2014/main" id="{6ED4F4D7-E3BF-4483-80E8-193FFAAA9811}"/>
+              </a:ext>
+            </a:extLst>
+          </p:cNvPr>
+          <p:cNvCxnSpPr>
+            <a:cxnSpLocks/>
+          </p:cNvCxnSpPr>
+          <p:nvPr/>
+        </p:nvCxnSpPr>
+        <p:spPr>
+          <a:xfrm flipH="1" flipV="1">
+            <a:off x="6158354" y="4832054"/>
+            <a:ext cx="1" cy="256022"/>
+          </a:xfrm>
+          <a:prstGeom prst="line">
+            <a:avLst/>
+          </a:prstGeom>
+          <a:ln w="12700"/>
+        </p:spPr>
+        <p:style>
+          <a:lnRef idx="1">
+            <a:schemeClr val="dk1"/>
+          </a:lnRef>
+          <a:fillRef idx="0">
+            <a:schemeClr val="dk1"/>
+          </a:fillRef>
+          <a:effectRef idx="0">
+            <a:schemeClr val="dk1"/>
+          </a:effectRef>
+          <a:fontRef idx="minor">
+            <a:schemeClr val="tx1"/>
+          </a:fontRef>
+        </p:style>
+      </p:cxnSp>
+      <p:sp>
+        <p:nvSpPr>
+          <p:cNvPr id="40" name="TextBox 39">
+            <a:extLst>
+              <a:ext uri="{FF2B5EF4-FFF2-40B4-BE49-F238E27FC236}">
+                <a16:creationId xmlns:a16="http://schemas.microsoft.com/office/drawing/2014/main" id="{876C024A-0F44-481E-BB57-2257E02AED72}"/>
+              </a:ext>
+            </a:extLst>
+          </p:cNvPr>
+          <p:cNvSpPr txBox="1"/>
+          <p:nvPr/>
+        </p:nvSpPr>
+        <p:spPr>
+          <a:xfrm>
+            <a:off x="5905267" y="4482392"/>
+            <a:ext cx="517661" cy="246221"/>
+          </a:xfrm>
+          <a:prstGeom prst="rect">
+            <a:avLst/>
+          </a:prstGeom>
+          <a:noFill/>
+        </p:spPr>
+        <p:txBody>
+          <a:bodyPr wrap="square" rtlCol="0">
+            <a:spAutoFit/>
+          </a:bodyPr>
+          <a:lstStyle/>
+          <a:p>
+            <a:pPr algn="ctr"/>
+            <a:r>
+              <a:rPr lang="en-US" sz="1000" dirty="0">
+                <a:solidFill>
+                  <a:schemeClr val="bg1"/>
+                </a:solidFill>
+              </a:rPr>
+              <a:t>HDMI</a:t>
+            </a:r>
+          </a:p>
+        </p:txBody>
+      </p:sp>
+      <p:sp>
+        <p:nvSpPr>
+          <p:cNvPr id="49" name="Rounded Rectangle 35">
+            <a:extLst>
+              <a:ext uri="{FF2B5EF4-FFF2-40B4-BE49-F238E27FC236}">
+                <a16:creationId xmlns:a16="http://schemas.microsoft.com/office/drawing/2014/main" id="{B3C41E18-1FE7-4597-A394-C9494B279403}"/>
+              </a:ext>
+            </a:extLst>
+          </p:cNvPr>
+          <p:cNvSpPr/>
+          <p:nvPr/>
+        </p:nvSpPr>
+        <p:spPr>
+          <a:xfrm>
+            <a:off x="3695700" y="5094273"/>
+            <a:ext cx="729020" cy="506427"/>
+          </a:xfrm>
+          <a:prstGeom prst="roundRect">
+            <a:avLst/>
+          </a:prstGeom>
+        </p:spPr>
+        <p:style>
+          <a:lnRef idx="2">
+            <a:schemeClr val="accent6"/>
+          </a:lnRef>
+          <a:fillRef idx="1">
+            <a:schemeClr val="lt1"/>
+          </a:fillRef>
+          <a:effectRef idx="0">
+            <a:schemeClr val="accent6"/>
+          </a:effectRef>
+          <a:fontRef idx="minor">
+            <a:schemeClr val="dk1"/>
+          </a:fontRef>
+        </p:style>
+        <p:txBody>
+          <a:bodyPr rtlCol="0" anchor="ctr"/>
+          <a:lstStyle/>
+          <a:p>
+            <a:pPr algn="ctr"/>
+            <a:r>
+              <a:rPr lang="en-US" sz="1000" dirty="0" err="1"/>
+              <a:t>WiFi</a:t>
+            </a:r>
+            <a:r>
+              <a:rPr lang="en-US" sz="1000" dirty="0"/>
+              <a:t> Adapter</a:t>
+            </a:r>
+          </a:p>
+        </p:txBody>
+      </p:sp>
+      <p:cxnSp>
+        <p:nvCxnSpPr>
+          <p:cNvPr id="52" name="Straight Connector 51">
+            <a:extLst>
+              <a:ext uri="{FF2B5EF4-FFF2-40B4-BE49-F238E27FC236}">
+                <a16:creationId xmlns:a16="http://schemas.microsoft.com/office/drawing/2014/main" id="{7CC05FB5-A80B-4BA7-9C29-CBED1A731ECD}"/>
               </a:ext>
             </a:extLst>
           </p:cNvPr>
@@ -17702,8 +18195,94 @@
         </p:nvCxnSpPr>
         <p:spPr>
           <a:xfrm flipH="1">
-            <a:off x="7209205" y="3434251"/>
-            <a:ext cx="639395" cy="3560"/>
+            <a:off x="4429094" y="5372099"/>
+            <a:ext cx="444522" cy="0"/>
+          </a:xfrm>
+          <a:prstGeom prst="line">
+            <a:avLst/>
+          </a:prstGeom>
+          <a:ln w="12700"/>
+        </p:spPr>
+        <p:style>
+          <a:lnRef idx="1">
+            <a:schemeClr val="dk1"/>
+          </a:lnRef>
+          <a:fillRef idx="0">
+            <a:schemeClr val="dk1"/>
+          </a:fillRef>
+          <a:effectRef idx="0">
+            <a:schemeClr val="dk1"/>
+          </a:effectRef>
+          <a:fontRef idx="minor">
+            <a:schemeClr val="tx1"/>
+          </a:fontRef>
+        </p:style>
+      </p:cxnSp>
+      <p:sp>
+        <p:nvSpPr>
+          <p:cNvPr id="53" name="Rounded Rectangle 35">
+            <a:extLst>
+              <a:ext uri="{FF2B5EF4-FFF2-40B4-BE49-F238E27FC236}">
+                <a16:creationId xmlns:a16="http://schemas.microsoft.com/office/drawing/2014/main" id="{60EEF136-EEC6-4F54-A654-BDE4CBE11244}"/>
+              </a:ext>
+            </a:extLst>
+          </p:cNvPr>
+          <p:cNvSpPr/>
+          <p:nvPr/>
+        </p:nvSpPr>
+        <p:spPr>
+          <a:xfrm>
+            <a:off x="4873778" y="5991435"/>
+            <a:ext cx="583248" cy="502869"/>
+          </a:xfrm>
+          <a:prstGeom prst="roundRect">
+            <a:avLst/>
+          </a:prstGeom>
+        </p:spPr>
+        <p:style>
+          <a:lnRef idx="2">
+            <a:schemeClr val="accent6"/>
+          </a:lnRef>
+          <a:fillRef idx="1">
+            <a:schemeClr val="lt1"/>
+          </a:fillRef>
+          <a:effectRef idx="0">
+            <a:schemeClr val="accent6"/>
+          </a:effectRef>
+          <a:fontRef idx="minor">
+            <a:schemeClr val="dk1"/>
+          </a:fontRef>
+        </p:style>
+        <p:txBody>
+          <a:bodyPr rtlCol="0" anchor="ctr"/>
+          <a:lstStyle/>
+          <a:p>
+            <a:pPr algn="ctr"/>
+            <a:r>
+              <a:rPr lang="en-US" sz="1000" dirty="0"/>
+              <a:t>Wall Outlet</a:t>
+            </a:r>
+          </a:p>
+        </p:txBody>
+      </p:sp>
+      <p:cxnSp>
+        <p:nvCxnSpPr>
+          <p:cNvPr id="71" name="Straight Connector 70">
+            <a:extLst>
+              <a:ext uri="{FF2B5EF4-FFF2-40B4-BE49-F238E27FC236}">
+                <a16:creationId xmlns:a16="http://schemas.microsoft.com/office/drawing/2014/main" id="{75C1223E-DEF7-413F-B5C3-AAB4948DD434}"/>
+              </a:ext>
+            </a:extLst>
+          </p:cNvPr>
+          <p:cNvCxnSpPr>
+            <a:cxnSpLocks/>
+          </p:cNvCxnSpPr>
+          <p:nvPr/>
+        </p:nvCxnSpPr>
+        <p:spPr>
+          <a:xfrm flipH="1" flipV="1">
+            <a:off x="5173316" y="4828779"/>
+            <a:ext cx="1" cy="256022"/>
           </a:xfrm>
           <a:prstGeom prst="line">
             <a:avLst/>
@@ -17727,61 +18306,23 @@
       </p:cxnSp>
       <p:cxnSp>
         <p:nvCxnSpPr>
-          <p:cNvPr id="24" name="Straight Connector 23">
+          <p:cNvPr id="80" name="Straight Connector 79">
             <a:extLst>
               <a:ext uri="{FF2B5EF4-FFF2-40B4-BE49-F238E27FC236}">
-                <a16:creationId xmlns:a16="http://schemas.microsoft.com/office/drawing/2014/main" id="{C254F364-9A6E-4349-B801-6EB2F576E2F9}"/>
+                <a16:creationId xmlns:a16="http://schemas.microsoft.com/office/drawing/2014/main" id="{B6520739-10B5-4E27-9342-7FCF21931AC3}"/>
               </a:ext>
             </a:extLst>
           </p:cNvPr>
           <p:cNvCxnSpPr>
             <a:cxnSpLocks/>
+            <a:stCxn id="53" idx="0"/>
           </p:cNvCxnSpPr>
           <p:nvPr/>
         </p:nvCxnSpPr>
         <p:spPr>
-          <a:xfrm flipH="1">
-            <a:off x="4618405" y="4888935"/>
-            <a:ext cx="639395" cy="3560"/>
-          </a:xfrm>
-          <a:prstGeom prst="line">
-            <a:avLst/>
-          </a:prstGeom>
-          <a:ln w="12700"/>
-        </p:spPr>
-        <p:style>
-          <a:lnRef idx="1">
-            <a:schemeClr val="dk1"/>
-          </a:lnRef>
-          <a:fillRef idx="0">
-            <a:schemeClr val="dk1"/>
-          </a:fillRef>
-          <a:effectRef idx="0">
-            <a:schemeClr val="dk1"/>
-          </a:effectRef>
-          <a:fontRef idx="minor">
-            <a:schemeClr val="tx1"/>
-          </a:fontRef>
-        </p:style>
-      </p:cxnSp>
-      <p:cxnSp>
-        <p:nvCxnSpPr>
-          <p:cNvPr id="25" name="Straight Connector 24">
-            <a:extLst>
-              <a:ext uri="{FF2B5EF4-FFF2-40B4-BE49-F238E27FC236}">
-                <a16:creationId xmlns:a16="http://schemas.microsoft.com/office/drawing/2014/main" id="{684AE091-2D89-594F-9D2F-7B9770FE2A7D}"/>
-              </a:ext>
-            </a:extLst>
-          </p:cNvPr>
-          <p:cNvCxnSpPr>
-            <a:cxnSpLocks/>
-          </p:cNvCxnSpPr>
-          <p:nvPr/>
-        </p:nvCxnSpPr>
-        <p:spPr>
-          <a:xfrm flipH="1" flipV="1">
-            <a:off x="6362699" y="2008710"/>
-            <a:ext cx="1" cy="620371"/>
+          <a:xfrm flipV="1">
+            <a:off x="5165402" y="5594055"/>
+            <a:ext cx="0" cy="397380"/>
           </a:xfrm>
           <a:prstGeom prst="line">
             <a:avLst/>
@@ -17805,98 +18346,10 @@
       </p:cxnSp>
       <p:sp>
         <p:nvSpPr>
-          <p:cNvPr id="27" name="Rounded Rectangle 26">
+          <p:cNvPr id="26" name="TextBox 25">
             <a:extLst>
               <a:ext uri="{FF2B5EF4-FFF2-40B4-BE49-F238E27FC236}">
-                <a16:creationId xmlns:a16="http://schemas.microsoft.com/office/drawing/2014/main" id="{66356683-3548-2143-BD59-6033FF08F638}"/>
-              </a:ext>
-            </a:extLst>
-          </p:cNvPr>
-          <p:cNvSpPr/>
-          <p:nvPr/>
-        </p:nvSpPr>
-        <p:spPr>
-          <a:xfrm>
-            <a:off x="7696200" y="3084165"/>
-            <a:ext cx="1104900" cy="609601"/>
-          </a:xfrm>
-          <a:prstGeom prst="roundRect">
-            <a:avLst/>
-          </a:prstGeom>
-        </p:spPr>
-        <p:style>
-          <a:lnRef idx="2">
-            <a:schemeClr val="accent6"/>
-          </a:lnRef>
-          <a:fillRef idx="1">
-            <a:schemeClr val="lt1"/>
-          </a:fillRef>
-          <a:effectRef idx="0">
-            <a:schemeClr val="accent6"/>
-          </a:effectRef>
-          <a:fontRef idx="minor">
-            <a:schemeClr val="dk1"/>
-          </a:fontRef>
-        </p:style>
-        <p:txBody>
-          <a:bodyPr rtlCol="0" anchor="ctr"/>
-          <a:lstStyle/>
-          <a:p>
-            <a:pPr algn="ctr"/>
-            <a:endParaRPr lang="en-US"/>
-          </a:p>
-        </p:txBody>
-      </p:sp>
-      <p:sp>
-        <p:nvSpPr>
-          <p:cNvPr id="30" name="Rounded Rectangle 29">
-            <a:extLst>
-              <a:ext uri="{FF2B5EF4-FFF2-40B4-BE49-F238E27FC236}">
-                <a16:creationId xmlns:a16="http://schemas.microsoft.com/office/drawing/2014/main" id="{4EF604C2-A18E-604B-8689-0A96C874DE1A}"/>
-              </a:ext>
-            </a:extLst>
-          </p:cNvPr>
-          <p:cNvSpPr/>
-          <p:nvPr/>
-        </p:nvSpPr>
-        <p:spPr>
-          <a:xfrm>
-            <a:off x="5935060" y="1409698"/>
-            <a:ext cx="719016" cy="609601"/>
-          </a:xfrm>
-          <a:prstGeom prst="roundRect">
-            <a:avLst/>
-          </a:prstGeom>
-        </p:spPr>
-        <p:style>
-          <a:lnRef idx="2">
-            <a:schemeClr val="accent6"/>
-          </a:lnRef>
-          <a:fillRef idx="1">
-            <a:schemeClr val="lt1"/>
-          </a:fillRef>
-          <a:effectRef idx="0">
-            <a:schemeClr val="accent6"/>
-          </a:effectRef>
-          <a:fontRef idx="minor">
-            <a:schemeClr val="dk1"/>
-          </a:fontRef>
-        </p:style>
-        <p:txBody>
-          <a:bodyPr rtlCol="0" anchor="ctr"/>
-          <a:lstStyle/>
-          <a:p>
-            <a:pPr algn="ctr"/>
-            <a:endParaRPr lang="en-US"/>
-          </a:p>
-        </p:txBody>
-      </p:sp>
-      <p:sp>
-        <p:nvSpPr>
-          <p:cNvPr id="31" name="TextBox 30">
-            <a:extLst>
-              <a:ext uri="{FF2B5EF4-FFF2-40B4-BE49-F238E27FC236}">
-                <a16:creationId xmlns:a16="http://schemas.microsoft.com/office/drawing/2014/main" id="{E7BC4823-60EC-BA46-AED1-7BC6C2ECAF64}"/>
+                <a16:creationId xmlns:a16="http://schemas.microsoft.com/office/drawing/2014/main" id="{04E5B418-116C-4FD6-A9D2-9431DE56655D}"/>
               </a:ext>
             </a:extLst>
           </p:cNvPr>
@@ -17905,8 +18358,8 @@
         </p:nvSpPr>
         <p:spPr>
           <a:xfrm>
-            <a:off x="5905500" y="1465302"/>
-            <a:ext cx="838200" cy="553998"/>
+            <a:off x="5448300" y="5063287"/>
+            <a:ext cx="495300" cy="276999"/>
           </a:xfrm>
           <a:prstGeom prst="rect">
             <a:avLst/>
@@ -17920,18 +18373,18 @@
           <a:lstStyle/>
           <a:p>
             <a:r>
-              <a:rPr lang="en-US" sz="1000" dirty="0"/>
-              <a:t>Micro USB to Wall Adapter</a:t>
+              <a:rPr lang="en-US" sz="1200" dirty="0"/>
+              <a:t>5 V</a:t>
             </a:r>
           </a:p>
         </p:txBody>
       </p:sp>
       <p:sp>
         <p:nvSpPr>
-          <p:cNvPr id="32" name="TextBox 31">
+          <p:cNvPr id="27" name="TextBox 26">
             <a:extLst>
               <a:ext uri="{FF2B5EF4-FFF2-40B4-BE49-F238E27FC236}">
-                <a16:creationId xmlns:a16="http://schemas.microsoft.com/office/drawing/2014/main" id="{E9B4E457-87BC-534E-8DDC-2E73A0359805}"/>
+                <a16:creationId xmlns:a16="http://schemas.microsoft.com/office/drawing/2014/main" id="{7EF9BF00-9137-474A-8D7A-D69CFE52E033}"/>
               </a:ext>
             </a:extLst>
           </p:cNvPr>
@@ -17940,8 +18393,8 @@
         </p:nvSpPr>
         <p:spPr>
           <a:xfrm>
-            <a:off x="7767493" y="3272023"/>
-            <a:ext cx="1028700" cy="246221"/>
+            <a:off x="5448300" y="6052028"/>
+            <a:ext cx="639391" cy="461665"/>
           </a:xfrm>
           <a:prstGeom prst="rect">
             <a:avLst/>
@@ -17955,18 +18408,24 @@
           <a:lstStyle/>
           <a:p>
             <a:r>
-              <a:rPr lang="en-US" sz="1000" dirty="0"/>
-              <a:t>WiFi Adapter </a:t>
+              <a:rPr lang="en-US" sz="1200" dirty="0"/>
+              <a:t>120 V</a:t>
+            </a:r>
+          </a:p>
+          <a:p>
+            <a:r>
+              <a:rPr lang="en-US" sz="1200" dirty="0"/>
+              <a:t>60 Hz</a:t>
             </a:r>
           </a:p>
         </p:txBody>
       </p:sp>
       <p:sp>
         <p:nvSpPr>
-          <p:cNvPr id="39" name="TextBox 38">
+          <p:cNvPr id="36" name="TextBox 35">
             <a:extLst>
               <a:ext uri="{FF2B5EF4-FFF2-40B4-BE49-F238E27FC236}">
-                <a16:creationId xmlns:a16="http://schemas.microsoft.com/office/drawing/2014/main" id="{774C080E-E034-2547-BAE4-9C157CFC1180}"/>
+                <a16:creationId xmlns:a16="http://schemas.microsoft.com/office/drawing/2014/main" id="{CF0249CF-9B3A-4B78-8CEE-0EAF63C5EC5B}"/>
               </a:ext>
             </a:extLst>
           </p:cNvPr>
@@ -17975,8 +18434,8 @@
         </p:nvSpPr>
         <p:spPr>
           <a:xfrm>
-            <a:off x="5251903" y="2742883"/>
-            <a:ext cx="647677" cy="246221"/>
+            <a:off x="4747129" y="5693765"/>
+            <a:ext cx="495300" cy="276999"/>
           </a:xfrm>
           <a:prstGeom prst="rect">
             <a:avLst/>
@@ -17989,87 +18448,164 @@
           </a:bodyPr>
           <a:lstStyle/>
           <a:p>
-            <a:pPr algn="ctr"/>
             <a:r>
-              <a:rPr lang="en-US" sz="1000" dirty="0">
-                <a:solidFill>
-                  <a:schemeClr val="bg1"/>
-                </a:solidFill>
-              </a:rPr>
-              <a:t>PWM</a:t>
+              <a:rPr lang="en-US" sz="1200" dirty="0"/>
+              <a:t>5 V</a:t>
             </a:r>
           </a:p>
         </p:txBody>
       </p:sp>
-      <p:sp>
-        <p:nvSpPr>
-          <p:cNvPr id="41" name="Rounded Rectangle 40">
+      <p:cxnSp>
+        <p:nvCxnSpPr>
+          <p:cNvPr id="19" name="Straight Connector 18">
             <a:extLst>
               <a:ext uri="{FF2B5EF4-FFF2-40B4-BE49-F238E27FC236}">
-                <a16:creationId xmlns:a16="http://schemas.microsoft.com/office/drawing/2014/main" id="{81B2AA2E-E785-1C44-9B69-B7DBC59ED430}"/>
+                <a16:creationId xmlns:a16="http://schemas.microsoft.com/office/drawing/2014/main" id="{9D2C3DA4-B4F4-46C0-ADD8-EB27A7BCBB56}"/>
               </a:ext>
             </a:extLst>
           </p:cNvPr>
-          <p:cNvSpPr/>
+          <p:cNvCxnSpPr>
+            <a:stCxn id="31" idx="3"/>
+            <a:endCxn id="31" idx="3"/>
+          </p:cNvCxnSpPr>
           <p:nvPr/>
-        </p:nvSpPr>
+        </p:nvCxnSpPr>
         <p:spPr>
           <a:xfrm>
-            <a:off x="5132765" y="1449314"/>
-            <a:ext cx="658435" cy="609601"/>
+            <a:off x="7152409" y="1038197"/>
+            <a:ext cx="0" cy="0"/>
           </a:xfrm>
-          <a:prstGeom prst="roundRect">
+          <a:prstGeom prst="line">
             <a:avLst/>
           </a:prstGeom>
         </p:spPr>
         <p:style>
-          <a:lnRef idx="2">
-            <a:schemeClr val="accent6"/>
+          <a:lnRef idx="1">
+            <a:schemeClr val="accent1"/>
           </a:lnRef>
-          <a:fillRef idx="1">
-            <a:schemeClr val="lt1"/>
+          <a:fillRef idx="0">
+            <a:schemeClr val="accent1"/>
           </a:fillRef>
           <a:effectRef idx="0">
-            <a:schemeClr val="accent6"/>
+            <a:schemeClr val="accent1"/>
           </a:effectRef>
           <a:fontRef idx="minor">
-            <a:schemeClr val="dk1"/>
+            <a:schemeClr val="tx1"/>
           </a:fontRef>
         </p:style>
-        <p:txBody>
-          <a:bodyPr rtlCol="0" anchor="ctr"/>
-          <a:lstStyle/>
-          <a:p>
-            <a:pPr algn="ctr"/>
-            <a:r>
-              <a:rPr lang="en-US" sz="1000" dirty="0"/>
-              <a:t>Switch</a:t>
-            </a:r>
-          </a:p>
-        </p:txBody>
-      </p:sp>
+      </p:cxnSp>
       <p:cxnSp>
         <p:nvCxnSpPr>
-          <p:cNvPr id="44" name="Straight Arrow Connector 43">
+          <p:cNvPr id="21" name="Straight Connector 20">
             <a:extLst>
               <a:ext uri="{FF2B5EF4-FFF2-40B4-BE49-F238E27FC236}">
-                <a16:creationId xmlns:a16="http://schemas.microsoft.com/office/drawing/2014/main" id="{2A11D71E-CD8F-0E44-B7BA-6AE3032479EA}"/>
+                <a16:creationId xmlns:a16="http://schemas.microsoft.com/office/drawing/2014/main" id="{A835D2CE-C5FE-404C-A49D-B2D0A2F0A7C4}"/>
               </a:ext>
             </a:extLst>
           </p:cNvPr>
-          <p:cNvCxnSpPr/>
+          <p:cNvCxnSpPr>
+            <a:cxnSpLocks/>
+          </p:cNvCxnSpPr>
           <p:nvPr/>
         </p:nvCxnSpPr>
         <p:spPr>
           <a:xfrm>
-            <a:off x="5197289" y="4562312"/>
-            <a:ext cx="914400" cy="914400"/>
+            <a:off x="7124700" y="1038197"/>
+            <a:ext cx="1534391" cy="0"/>
           </a:xfrm>
-          <a:prstGeom prst="straightConnector1">
+          <a:prstGeom prst="line">
             <a:avLst/>
           </a:prstGeom>
-          <a:ln>
-            <a:tailEnd type="triangle"/>
+          <a:ln w="12700">
+            <a:solidFill>
+              <a:schemeClr val="tx1"/>
+            </a:solidFill>
+          </a:ln>
+        </p:spPr>
+        <p:style>
+          <a:lnRef idx="1">
+            <a:schemeClr val="accent1"/>
+          </a:lnRef>
+          <a:fillRef idx="0">
+            <a:schemeClr val="accent1"/>
+          </a:fillRef>
+          <a:effectRef idx="0">
+            <a:schemeClr val="accent1"/>
+          </a:effectRef>
+          <a:fontRef idx="minor">
+            <a:schemeClr val="tx1"/>
+          </a:fontRef>
+        </p:style>
+      </p:cxnSp>
+      <p:cxnSp>
+        <p:nvCxnSpPr>
+          <p:cNvPr id="23" name="Straight Connector 22">
+            <a:extLst>
+              <a:ext uri="{FF2B5EF4-FFF2-40B4-BE49-F238E27FC236}">
+                <a16:creationId xmlns:a16="http://schemas.microsoft.com/office/drawing/2014/main" id="{10E38CAA-0546-4C8A-B34D-A02B2A6B42FC}"/>
+              </a:ext>
+            </a:extLst>
+          </p:cNvPr>
+          <p:cNvCxnSpPr>
+            <a:cxnSpLocks/>
+          </p:cNvCxnSpPr>
+          <p:nvPr/>
+        </p:nvCxnSpPr>
+        <p:spPr>
+          <a:xfrm>
+            <a:off x="8659091" y="1038197"/>
+            <a:ext cx="0" cy="4802096"/>
+          </a:xfrm>
+          <a:prstGeom prst="line">
+            <a:avLst/>
+          </a:prstGeom>
+          <a:ln w="12700">
+            <a:solidFill>
+              <a:schemeClr val="tx1"/>
+            </a:solidFill>
+          </a:ln>
+        </p:spPr>
+        <p:style>
+          <a:lnRef idx="1">
+            <a:schemeClr val="accent1"/>
+          </a:lnRef>
+          <a:fillRef idx="0">
+            <a:schemeClr val="accent1"/>
+          </a:fillRef>
+          <a:effectRef idx="0">
+            <a:schemeClr val="accent1"/>
+          </a:effectRef>
+          <a:fontRef idx="minor">
+            <a:schemeClr val="tx1"/>
+          </a:fontRef>
+        </p:style>
+      </p:cxnSp>
+      <p:cxnSp>
+        <p:nvCxnSpPr>
+          <p:cNvPr id="38" name="Straight Connector 37">
+            <a:extLst>
+              <a:ext uri="{FF2B5EF4-FFF2-40B4-BE49-F238E27FC236}">
+                <a16:creationId xmlns:a16="http://schemas.microsoft.com/office/drawing/2014/main" id="{A2AD2772-3012-4C00-98D7-63C7A147AC45}"/>
+              </a:ext>
+            </a:extLst>
+          </p:cNvPr>
+          <p:cNvCxnSpPr>
+            <a:cxnSpLocks/>
+          </p:cNvCxnSpPr>
+          <p:nvPr/>
+        </p:nvCxnSpPr>
+        <p:spPr>
+          <a:xfrm>
+            <a:off x="5165402" y="5832265"/>
+            <a:ext cx="3493689" cy="8028"/>
+          </a:xfrm>
+          <a:prstGeom prst="line">
+            <a:avLst/>
+          </a:prstGeom>
+          <a:ln w="12700">
+            <a:solidFill>
+              <a:schemeClr val="tx1"/>
+            </a:solidFill>
           </a:ln>
         </p:spPr>
         <p:style>
@@ -18089,10 +18625,10 @@
       </p:cxnSp>
       <p:sp>
         <p:nvSpPr>
-          <p:cNvPr id="45" name="TextBox 44">
+          <p:cNvPr id="58" name="TextBox 57">
             <a:extLst>
               <a:ext uri="{FF2B5EF4-FFF2-40B4-BE49-F238E27FC236}">
-                <a16:creationId xmlns:a16="http://schemas.microsoft.com/office/drawing/2014/main" id="{095F8B15-E4D2-2742-9EE8-666965E0ABA4}"/>
+                <a16:creationId xmlns:a16="http://schemas.microsoft.com/office/drawing/2014/main" id="{EA7208D1-E325-4FE3-991B-BE9CFCB18484}"/>
               </a:ext>
             </a:extLst>
           </p:cNvPr>
@@ -18101,338 +18637,7 @@
         </p:nvSpPr>
         <p:spPr>
           <a:xfrm>
-            <a:off x="6512127" y="4091278"/>
-            <a:ext cx="647677" cy="246221"/>
-          </a:xfrm>
-          <a:prstGeom prst="rect">
-            <a:avLst/>
-          </a:prstGeom>
-          <a:noFill/>
-        </p:spPr>
-        <p:txBody>
-          <a:bodyPr wrap="square" rtlCol="0">
-            <a:spAutoFit/>
-          </a:bodyPr>
-          <a:lstStyle/>
-          <a:p>
-            <a:pPr algn="ctr"/>
-            <a:r>
-              <a:rPr lang="en-US" sz="1000" dirty="0">
-                <a:solidFill>
-                  <a:schemeClr val="bg1"/>
-                </a:solidFill>
-              </a:rPr>
-              <a:t>GND</a:t>
-            </a:r>
-          </a:p>
-        </p:txBody>
-      </p:sp>
-      <p:sp>
-        <p:nvSpPr>
-          <p:cNvPr id="46" name="Rounded Rectangle 45">
-            <a:extLst>
-              <a:ext uri="{FF2B5EF4-FFF2-40B4-BE49-F238E27FC236}">
-                <a16:creationId xmlns:a16="http://schemas.microsoft.com/office/drawing/2014/main" id="{75C84915-4B0D-4048-977D-9C37D710099D}"/>
-              </a:ext>
-            </a:extLst>
-          </p:cNvPr>
-          <p:cNvSpPr/>
-          <p:nvPr/>
-        </p:nvSpPr>
-        <p:spPr>
-          <a:xfrm>
-            <a:off x="3505200" y="4596485"/>
-            <a:ext cx="1104900" cy="609601"/>
-          </a:xfrm>
-          <a:prstGeom prst="roundRect">
-            <a:avLst/>
-          </a:prstGeom>
-        </p:spPr>
-        <p:style>
-          <a:lnRef idx="2">
-            <a:schemeClr val="accent6"/>
-          </a:lnRef>
-          <a:fillRef idx="1">
-            <a:schemeClr val="lt1"/>
-          </a:fillRef>
-          <a:effectRef idx="0">
-            <a:schemeClr val="accent6"/>
-          </a:effectRef>
-          <a:fontRef idx="minor">
-            <a:schemeClr val="dk1"/>
-          </a:fontRef>
-        </p:style>
-        <p:txBody>
-          <a:bodyPr rtlCol="0" anchor="ctr"/>
-          <a:lstStyle/>
-          <a:p>
-            <a:pPr algn="ctr"/>
-            <a:endParaRPr lang="en-US"/>
-          </a:p>
-        </p:txBody>
-      </p:sp>
-      <p:sp>
-        <p:nvSpPr>
-          <p:cNvPr id="47" name="TextBox 46">
-            <a:extLst>
-              <a:ext uri="{FF2B5EF4-FFF2-40B4-BE49-F238E27FC236}">
-                <a16:creationId xmlns:a16="http://schemas.microsoft.com/office/drawing/2014/main" id="{75164A4C-5145-6E48-996D-C07A69606460}"/>
-              </a:ext>
-            </a:extLst>
-          </p:cNvPr>
-          <p:cNvSpPr txBox="1"/>
-          <p:nvPr/>
-        </p:nvSpPr>
-        <p:spPr>
-          <a:xfrm>
-            <a:off x="3657600" y="4683365"/>
-            <a:ext cx="752621" cy="400110"/>
-          </a:xfrm>
-          <a:prstGeom prst="rect">
-            <a:avLst/>
-          </a:prstGeom>
-          <a:noFill/>
-        </p:spPr>
-        <p:txBody>
-          <a:bodyPr wrap="square" rtlCol="0">
-            <a:spAutoFit/>
-          </a:bodyPr>
-          <a:lstStyle/>
-          <a:p>
-            <a:pPr algn="ctr"/>
-            <a:r>
-              <a:rPr lang="en-US" sz="1000" dirty="0"/>
-              <a:t>LCD Display</a:t>
-            </a:r>
-          </a:p>
-        </p:txBody>
-      </p:sp>
-      <p:cxnSp>
-        <p:nvCxnSpPr>
-          <p:cNvPr id="50" name="Straight Connector 49">
-            <a:extLst>
-              <a:ext uri="{FF2B5EF4-FFF2-40B4-BE49-F238E27FC236}">
-                <a16:creationId xmlns:a16="http://schemas.microsoft.com/office/drawing/2014/main" id="{F4ED8781-D8E5-ED4A-B8FC-32F89DAB4A4B}"/>
-              </a:ext>
-            </a:extLst>
-          </p:cNvPr>
-          <p:cNvCxnSpPr>
-            <a:cxnSpLocks/>
-          </p:cNvCxnSpPr>
-          <p:nvPr/>
-        </p:nvCxnSpPr>
-        <p:spPr>
-          <a:xfrm flipH="1">
-            <a:off x="7203590" y="4204205"/>
-            <a:ext cx="639395" cy="3560"/>
-          </a:xfrm>
-          <a:prstGeom prst="line">
-            <a:avLst/>
-          </a:prstGeom>
-          <a:ln w="12700"/>
-        </p:spPr>
-        <p:style>
-          <a:lnRef idx="1">
-            <a:schemeClr val="dk1"/>
-          </a:lnRef>
-          <a:fillRef idx="0">
-            <a:schemeClr val="dk1"/>
-          </a:fillRef>
-          <a:effectRef idx="0">
-            <a:schemeClr val="dk1"/>
-          </a:effectRef>
-          <a:fontRef idx="minor">
-            <a:schemeClr val="tx1"/>
-          </a:fontRef>
-        </p:style>
-      </p:cxnSp>
-      <p:sp>
-        <p:nvSpPr>
-          <p:cNvPr id="51" name="Rounded Rectangle 50">
-            <a:extLst>
-              <a:ext uri="{FF2B5EF4-FFF2-40B4-BE49-F238E27FC236}">
-                <a16:creationId xmlns:a16="http://schemas.microsoft.com/office/drawing/2014/main" id="{66AF1619-A30D-D645-A569-F175A830B1F3}"/>
-              </a:ext>
-            </a:extLst>
-          </p:cNvPr>
-          <p:cNvSpPr/>
-          <p:nvPr/>
-        </p:nvSpPr>
-        <p:spPr>
-          <a:xfrm>
-            <a:off x="7822202" y="3894621"/>
-            <a:ext cx="1104900" cy="609601"/>
-          </a:xfrm>
-          <a:prstGeom prst="roundRect">
-            <a:avLst/>
-          </a:prstGeom>
-        </p:spPr>
-        <p:style>
-          <a:lnRef idx="2">
-            <a:schemeClr val="accent6"/>
-          </a:lnRef>
-          <a:fillRef idx="1">
-            <a:schemeClr val="lt1"/>
-          </a:fillRef>
-          <a:effectRef idx="0">
-            <a:schemeClr val="accent6"/>
-          </a:effectRef>
-          <a:fontRef idx="minor">
-            <a:schemeClr val="dk1"/>
-          </a:fontRef>
-        </p:style>
-        <p:txBody>
-          <a:bodyPr rtlCol="0" anchor="ctr"/>
-          <a:lstStyle/>
-          <a:p>
-            <a:pPr algn="ctr"/>
-            <a:r>
-              <a:rPr lang="en-US" sz="1000" dirty="0"/>
-              <a:t>External Ground</a:t>
-            </a:r>
-          </a:p>
-        </p:txBody>
-      </p:sp>
-      <p:cxnSp>
-        <p:nvCxnSpPr>
-          <p:cNvPr id="42" name="Straight Connector 41">
-            <a:extLst>
-              <a:ext uri="{FF2B5EF4-FFF2-40B4-BE49-F238E27FC236}">
-                <a16:creationId xmlns:a16="http://schemas.microsoft.com/office/drawing/2014/main" id="{5E98592A-962C-2147-BF92-8B80ED69F2A1}"/>
-              </a:ext>
-            </a:extLst>
-          </p:cNvPr>
-          <p:cNvCxnSpPr>
-            <a:cxnSpLocks/>
-          </p:cNvCxnSpPr>
-          <p:nvPr/>
-        </p:nvCxnSpPr>
-        <p:spPr>
-          <a:xfrm flipH="1" flipV="1">
-            <a:off x="5524688" y="2044257"/>
-            <a:ext cx="1" cy="620371"/>
-          </a:xfrm>
-          <a:prstGeom prst="line">
-            <a:avLst/>
-          </a:prstGeom>
-          <a:ln w="12700"/>
-        </p:spPr>
-        <p:style>
-          <a:lnRef idx="1">
-            <a:schemeClr val="dk1"/>
-          </a:lnRef>
-          <a:fillRef idx="0">
-            <a:schemeClr val="dk1"/>
-          </a:fillRef>
-          <a:effectRef idx="0">
-            <a:schemeClr val="dk1"/>
-          </a:effectRef>
-          <a:fontRef idx="minor">
-            <a:schemeClr val="tx1"/>
-          </a:fontRef>
-        </p:style>
-      </p:cxnSp>
-      <p:sp>
-        <p:nvSpPr>
-          <p:cNvPr id="36" name="Rounded Rectangle 35">
-            <a:extLst>
-              <a:ext uri="{FF2B5EF4-FFF2-40B4-BE49-F238E27FC236}">
-                <a16:creationId xmlns:a16="http://schemas.microsoft.com/office/drawing/2014/main" id="{23C8296A-DFBF-1F42-B5CF-2302AB247A21}"/>
-              </a:ext>
-            </a:extLst>
-          </p:cNvPr>
-          <p:cNvSpPr/>
-          <p:nvPr/>
-        </p:nvSpPr>
-        <p:spPr>
-          <a:xfrm>
-            <a:off x="3456554" y="1465302"/>
-            <a:ext cx="1049981" cy="592099"/>
-          </a:xfrm>
-          <a:prstGeom prst="roundRect">
-            <a:avLst/>
-          </a:prstGeom>
-        </p:spPr>
-        <p:style>
-          <a:lnRef idx="2">
-            <a:schemeClr val="accent6"/>
-          </a:lnRef>
-          <a:fillRef idx="1">
-            <a:schemeClr val="lt1"/>
-          </a:fillRef>
-          <a:effectRef idx="0">
-            <a:schemeClr val="accent6"/>
-          </a:effectRef>
-          <a:fontRef idx="minor">
-            <a:schemeClr val="dk1"/>
-          </a:fontRef>
-        </p:style>
-        <p:txBody>
-          <a:bodyPr rtlCol="0" anchor="ctr"/>
-          <a:lstStyle/>
-          <a:p>
-            <a:pPr algn="ctr"/>
-            <a:r>
-              <a:rPr lang="en-US" sz="1000" dirty="0"/>
-              <a:t>LED Strips</a:t>
-            </a:r>
-          </a:p>
-        </p:txBody>
-      </p:sp>
-      <p:cxnSp>
-        <p:nvCxnSpPr>
-          <p:cNvPr id="37" name="Straight Connector 36">
-            <a:extLst>
-              <a:ext uri="{FF2B5EF4-FFF2-40B4-BE49-F238E27FC236}">
-                <a16:creationId xmlns:a16="http://schemas.microsoft.com/office/drawing/2014/main" id="{5F25F6F0-7776-5241-A128-D9AC95E3936A}"/>
-              </a:ext>
-            </a:extLst>
-          </p:cNvPr>
-          <p:cNvCxnSpPr>
-            <a:cxnSpLocks/>
-          </p:cNvCxnSpPr>
-          <p:nvPr/>
-        </p:nvCxnSpPr>
-        <p:spPr>
-          <a:xfrm flipH="1">
-            <a:off x="4495800" y="1752600"/>
-            <a:ext cx="639395" cy="3560"/>
-          </a:xfrm>
-          <a:prstGeom prst="line">
-            <a:avLst/>
-          </a:prstGeom>
-          <a:ln w="12700"/>
-        </p:spPr>
-        <p:style>
-          <a:lnRef idx="1">
-            <a:schemeClr val="dk1"/>
-          </a:lnRef>
-          <a:fillRef idx="0">
-            <a:schemeClr val="dk1"/>
-          </a:fillRef>
-          <a:effectRef idx="0">
-            <a:schemeClr val="dk1"/>
-          </a:effectRef>
-          <a:fontRef idx="minor">
-            <a:schemeClr val="tx1"/>
-          </a:fontRef>
-        </p:style>
-      </p:cxnSp>
-      <p:sp>
-        <p:nvSpPr>
-          <p:cNvPr id="28" name="TextBox 27">
-            <a:extLst>
-              <a:ext uri="{FF2B5EF4-FFF2-40B4-BE49-F238E27FC236}">
-                <a16:creationId xmlns:a16="http://schemas.microsoft.com/office/drawing/2014/main" id="{8DA18670-D4F7-AF4D-AFEC-79024B6D6C08}"/>
-              </a:ext>
-            </a:extLst>
-          </p:cNvPr>
-          <p:cNvSpPr txBox="1"/>
-          <p:nvPr/>
-        </p:nvSpPr>
-        <p:spPr>
-          <a:xfrm>
-            <a:off x="6553200" y="2190006"/>
+            <a:off x="7205107" y="751700"/>
             <a:ext cx="495300" cy="276999"/>
           </a:xfrm>
           <a:prstGeom prst="rect">
@@ -18455,10 +18660,10 @@
       </p:sp>
       <p:sp>
         <p:nvSpPr>
-          <p:cNvPr id="29" name="TextBox 28">
+          <p:cNvPr id="60" name="TextBox 59">
             <a:extLst>
               <a:ext uri="{FF2B5EF4-FFF2-40B4-BE49-F238E27FC236}">
-                <a16:creationId xmlns:a16="http://schemas.microsoft.com/office/drawing/2014/main" id="{0B2C9D55-7FDA-3E40-810A-8E389B0D8FDA}"/>
+                <a16:creationId xmlns:a16="http://schemas.microsoft.com/office/drawing/2014/main" id="{C46BF381-D28B-44E6-89A5-5931352FE6D9}"/>
               </a:ext>
             </a:extLst>
           </p:cNvPr>
@@ -18467,7 +18672,7 @@
         </p:nvSpPr>
         <p:spPr>
           <a:xfrm>
-            <a:off x="4722645" y="5046104"/>
+            <a:off x="6952262" y="1341073"/>
             <a:ext cx="495300" cy="276999"/>
           </a:xfrm>
           <a:prstGeom prst="rect">
@@ -18488,59 +18693,12 @@
           </a:p>
         </p:txBody>
       </p:sp>
-      <p:sp>
-        <p:nvSpPr>
-          <p:cNvPr id="33" name="Rounded Rectangle 32">
+      <p:cxnSp>
+        <p:nvCxnSpPr>
+          <p:cNvPr id="37" name="Straight Connector 36">
             <a:extLst>
               <a:ext uri="{FF2B5EF4-FFF2-40B4-BE49-F238E27FC236}">
-                <a16:creationId xmlns:a16="http://schemas.microsoft.com/office/drawing/2014/main" id="{3E527715-A366-6646-8B93-9C8D7A3FB5EF}"/>
-              </a:ext>
-            </a:extLst>
-          </p:cNvPr>
-          <p:cNvSpPr/>
-          <p:nvPr/>
-        </p:nvSpPr>
-        <p:spPr>
-          <a:xfrm>
-            <a:off x="3580620" y="2649960"/>
-            <a:ext cx="1049981" cy="592099"/>
-          </a:xfrm>
-          <a:prstGeom prst="roundRect">
-            <a:avLst/>
-          </a:prstGeom>
-        </p:spPr>
-        <p:style>
-          <a:lnRef idx="2">
-            <a:schemeClr val="accent6"/>
-          </a:lnRef>
-          <a:fillRef idx="1">
-            <a:schemeClr val="lt1"/>
-          </a:fillRef>
-          <a:effectRef idx="0">
-            <a:schemeClr val="accent6"/>
-          </a:effectRef>
-          <a:fontRef idx="minor">
-            <a:schemeClr val="dk1"/>
-          </a:fontRef>
-        </p:style>
-        <p:txBody>
-          <a:bodyPr rtlCol="0" anchor="ctr"/>
-          <a:lstStyle/>
-          <a:p>
-            <a:pPr algn="ctr"/>
-            <a:r>
-              <a:rPr lang="en-US" sz="1000" dirty="0"/>
-              <a:t>Button</a:t>
-            </a:r>
-          </a:p>
-        </p:txBody>
-      </p:sp>
-      <p:cxnSp>
-        <p:nvCxnSpPr>
-          <p:cNvPr id="34" name="Straight Connector 33">
-            <a:extLst>
-              <a:ext uri="{FF2B5EF4-FFF2-40B4-BE49-F238E27FC236}">
-                <a16:creationId xmlns:a16="http://schemas.microsoft.com/office/drawing/2014/main" id="{3A60491A-B127-7D40-B989-09D929B3C919}"/>
+                <a16:creationId xmlns:a16="http://schemas.microsoft.com/office/drawing/2014/main" id="{72C486B5-5D10-495C-B121-5A8CC7646B72}"/>
               </a:ext>
             </a:extLst>
           </p:cNvPr>
@@ -18551,8 +18709,8 @@
         </p:nvCxnSpPr>
         <p:spPr>
           <a:xfrm flipH="1">
-            <a:off x="4619866" y="2937258"/>
-            <a:ext cx="639395" cy="3560"/>
+            <a:off x="5448300" y="5372100"/>
+            <a:ext cx="444522" cy="0"/>
           </a:xfrm>
           <a:prstGeom prst="line">
             <a:avLst/>
@@ -18577,7 +18735,7 @@
     </p:spTree>
     <p:extLst>
       <p:ext uri="{BB962C8B-B14F-4D97-AF65-F5344CB8AC3E}">
-        <p14:creationId xmlns:p14="http://schemas.microsoft.com/office/powerpoint/2010/main" val="2990507266"/>
+        <p14:creationId xmlns:p14="http://schemas.microsoft.com/office/powerpoint/2010/main" val="2635879250"/>
       </p:ext>
     </p:extLst>
   </p:cSld>
@@ -18660,7 +18818,7 @@
             <p:ph idx="1"/>
             <p:extLst>
               <p:ext uri="{D42A27DB-BD31-4B8C-83A1-F6EECF244321}">
-                <p14:modId xmlns:p14="http://schemas.microsoft.com/office/powerpoint/2010/main" val="3794480535"/>
+                <p14:modId xmlns:p14="http://schemas.microsoft.com/office/powerpoint/2010/main" val="3443572545"/>
               </p:ext>
             </p:extLst>
           </p:nvPr>
@@ -18842,6 +19000,7 @@
                     <a:bodyPr/>
                     <a:lstStyle/>
                     <a:p>
+                      <a:pPr algn="ctr"/>
                       <a:r>
                         <a:rPr lang="en-US" dirty="0"/>
                         <a:t>$11.99</a:t>
@@ -18966,6 +19125,7 @@
                     <a:bodyPr/>
                     <a:lstStyle/>
                     <a:p>
+                      <a:pPr algn="ctr"/>
                       <a:r>
                         <a:rPr lang="en-US" dirty="0"/>
                         <a:t>$46.99</a:t>
@@ -19037,7 +19197,7 @@
                     <a:bodyPr/>
                     <a:lstStyle/>
                     <a:p>
-                      <a:pPr marL="0" marR="0" lvl="0" indent="0" algn="l" defTabSz="914400" rtl="0" eaLnBrk="1" fontAlgn="auto" latinLnBrk="0" hangingPunct="1">
+                      <a:pPr marL="0" marR="0" lvl="0" indent="0" algn="ctr" defTabSz="914400" rtl="0" eaLnBrk="1" fontAlgn="auto" latinLnBrk="0" hangingPunct="1">
                         <a:lnSpc>
                           <a:spcPct val="100000"/>
                         </a:lnSpc>
@@ -19191,11 +19351,16 @@
           </p:cNvGraphicFramePr>
           <p:nvPr>
             <p:ph idx="1"/>
+            <p:extLst>
+              <p:ext uri="{D42A27DB-BD31-4B8C-83A1-F6EECF244321}">
+                <p14:modId xmlns:p14="http://schemas.microsoft.com/office/powerpoint/2010/main" val="1728660851"/>
+              </p:ext>
+            </p:extLst>
           </p:nvPr>
         </p:nvGraphicFramePr>
         <p:xfrm>
           <a:off x="609600" y="1295400"/>
-          <a:ext cx="10972800" cy="2047240"/>
+          <a:ext cx="10972800" cy="4272280"/>
         </p:xfrm>
         <a:graphic>
           <a:graphicData uri="http://schemas.openxmlformats.org/drawingml/2006/table">
@@ -19404,7 +19569,7 @@
                     <a:bodyPr/>
                     <a:lstStyle/>
                     <a:p>
-                      <a:pPr marL="0" marR="0" lvl="0" indent="0" algn="l" defTabSz="914400" rtl="0" eaLnBrk="1" fontAlgn="auto" latinLnBrk="0" hangingPunct="1">
+                      <a:pPr marL="0" marR="0" lvl="0" indent="0" algn="ctr" defTabSz="914400" rtl="0" eaLnBrk="1" fontAlgn="auto" latinLnBrk="0" hangingPunct="1">
                         <a:lnSpc>
                           <a:spcPct val="100000"/>
                         </a:lnSpc>
@@ -19435,6 +19600,512 @@
                   </a:ext>
                 </a:extLst>
               </a:tr>
+              <a:tr h="370840">
+                <a:tc>
+                  <a:txBody>
+                    <a:bodyPr/>
+                    <a:lstStyle/>
+                    <a:p>
+                      <a:r>
+                        <a:rPr lang="en-US" dirty="0"/>
+                        <a:t>BeagleBoard.org </a:t>
+                      </a:r>
+                      <a:r>
+                        <a:rPr lang="en-US" dirty="0" err="1"/>
+                        <a:t>BeagleBone</a:t>
+                      </a:r>
+                      <a:r>
+                        <a:rPr lang="en-US" dirty="0"/>
+                        <a:t> Black</a:t>
+                      </a:r>
+                    </a:p>
+                  </a:txBody>
+                  <a:tcPr/>
+                </a:tc>
+                <a:tc>
+                  <a:txBody>
+                    <a:bodyPr/>
+                    <a:lstStyle/>
+                    <a:p>
+                      <a:pPr marL="0" marR="0" lvl="0" indent="0" algn="ctr" defTabSz="914400" rtl="0" eaLnBrk="1" fontAlgn="auto" latinLnBrk="0" hangingPunct="1">
+                        <a:lnSpc>
+                          <a:spcPct val="100000"/>
+                        </a:lnSpc>
+                        <a:spcBef>
+                          <a:spcPts val="0"/>
+                        </a:spcBef>
+                        <a:spcAft>
+                          <a:spcPts val="0"/>
+                        </a:spcAft>
+                        <a:buClrTx/>
+                        <a:buSzTx/>
+                        <a:buFontTx/>
+                        <a:buNone/>
+                        <a:tabLst/>
+                        <a:defRPr/>
+                      </a:pPr>
+                      <a:r>
+                        <a:rPr lang="en-US" sz="1800" dirty="0"/>
+                        <a:t>N/A</a:t>
+                      </a:r>
+                    </a:p>
+                  </a:txBody>
+                  <a:tcPr/>
+                </a:tc>
+                <a:tc>
+                  <a:txBody>
+                    <a:bodyPr/>
+                    <a:lstStyle/>
+                    <a:p>
+                      <a:pPr marL="0" marR="0" lvl="0" indent="0" algn="ctr" defTabSz="914400" rtl="0" eaLnBrk="1" fontAlgn="auto" latinLnBrk="0" hangingPunct="1">
+                        <a:lnSpc>
+                          <a:spcPct val="100000"/>
+                        </a:lnSpc>
+                        <a:spcBef>
+                          <a:spcPts val="0"/>
+                        </a:spcBef>
+                        <a:spcAft>
+                          <a:spcPts val="0"/>
+                        </a:spcAft>
+                        <a:buClrTx/>
+                        <a:buSzTx/>
+                        <a:buFontTx/>
+                        <a:buNone/>
+                        <a:tabLst/>
+                        <a:defRPr/>
+                      </a:pPr>
+                      <a:r>
+                        <a:rPr lang="en-US" sz="1800" dirty="0"/>
+                        <a:t>N/A</a:t>
+                      </a:r>
+                    </a:p>
+                  </a:txBody>
+                  <a:tcPr/>
+                </a:tc>
+                <a:extLst>
+                  <a:ext uri="{0D108BD9-81ED-4DB2-BD59-A6C34878D82A}">
+                    <a16:rowId xmlns:a16="http://schemas.microsoft.com/office/drawing/2014/main" val="3473263941"/>
+                  </a:ext>
+                </a:extLst>
+              </a:tr>
+              <a:tr h="370840">
+                <a:tc>
+                  <a:txBody>
+                    <a:bodyPr/>
+                    <a:lstStyle/>
+                    <a:p>
+                      <a:r>
+                        <a:rPr lang="en-US" dirty="0"/>
+                        <a:t>Buttons</a:t>
+                      </a:r>
+                    </a:p>
+                  </a:txBody>
+                  <a:tcPr/>
+                </a:tc>
+                <a:tc>
+                  <a:txBody>
+                    <a:bodyPr/>
+                    <a:lstStyle/>
+                    <a:p>
+                      <a:pPr marL="0" marR="0" lvl="0" indent="0" algn="ctr" defTabSz="914400" rtl="0" eaLnBrk="1" fontAlgn="auto" latinLnBrk="0" hangingPunct="1">
+                        <a:lnSpc>
+                          <a:spcPct val="100000"/>
+                        </a:lnSpc>
+                        <a:spcBef>
+                          <a:spcPts val="0"/>
+                        </a:spcBef>
+                        <a:spcAft>
+                          <a:spcPts val="0"/>
+                        </a:spcAft>
+                        <a:buClrTx/>
+                        <a:buSzTx/>
+                        <a:buFontTx/>
+                        <a:buNone/>
+                        <a:tabLst/>
+                        <a:defRPr/>
+                      </a:pPr>
+                      <a:r>
+                        <a:rPr lang="en-US" sz="1800" dirty="0"/>
+                        <a:t>N/A</a:t>
+                      </a:r>
+                    </a:p>
+                  </a:txBody>
+                  <a:tcPr/>
+                </a:tc>
+                <a:tc>
+                  <a:txBody>
+                    <a:bodyPr/>
+                    <a:lstStyle/>
+                    <a:p>
+                      <a:pPr marL="0" marR="0" lvl="0" indent="0" algn="ctr" defTabSz="914400" rtl="0" eaLnBrk="1" fontAlgn="auto" latinLnBrk="0" hangingPunct="1">
+                        <a:lnSpc>
+                          <a:spcPct val="100000"/>
+                        </a:lnSpc>
+                        <a:spcBef>
+                          <a:spcPts val="0"/>
+                        </a:spcBef>
+                        <a:spcAft>
+                          <a:spcPts val="0"/>
+                        </a:spcAft>
+                        <a:buClrTx/>
+                        <a:buSzTx/>
+                        <a:buFontTx/>
+                        <a:buNone/>
+                        <a:tabLst/>
+                        <a:defRPr/>
+                      </a:pPr>
+                      <a:r>
+                        <a:rPr lang="en-US" sz="1800" dirty="0"/>
+                        <a:t>N/A</a:t>
+                      </a:r>
+                    </a:p>
+                  </a:txBody>
+                  <a:tcPr/>
+                </a:tc>
+                <a:extLst>
+                  <a:ext uri="{0D108BD9-81ED-4DB2-BD59-A6C34878D82A}">
+                    <a16:rowId xmlns:a16="http://schemas.microsoft.com/office/drawing/2014/main" val="2676067589"/>
+                  </a:ext>
+                </a:extLst>
+              </a:tr>
+              <a:tr h="370840">
+                <a:tc>
+                  <a:txBody>
+                    <a:bodyPr/>
+                    <a:lstStyle/>
+                    <a:p>
+                      <a:r>
+                        <a:rPr lang="en-US" dirty="0"/>
+                        <a:t>Mini USB to USB cable</a:t>
+                      </a:r>
+                    </a:p>
+                  </a:txBody>
+                  <a:tcPr/>
+                </a:tc>
+                <a:tc>
+                  <a:txBody>
+                    <a:bodyPr/>
+                    <a:lstStyle/>
+                    <a:p>
+                      <a:pPr marL="0" marR="0" lvl="0" indent="0" algn="ctr" defTabSz="914400" rtl="0" eaLnBrk="1" fontAlgn="auto" latinLnBrk="0" hangingPunct="1">
+                        <a:lnSpc>
+                          <a:spcPct val="100000"/>
+                        </a:lnSpc>
+                        <a:spcBef>
+                          <a:spcPts val="0"/>
+                        </a:spcBef>
+                        <a:spcAft>
+                          <a:spcPts val="0"/>
+                        </a:spcAft>
+                        <a:buClrTx/>
+                        <a:buSzTx/>
+                        <a:buFontTx/>
+                        <a:buNone/>
+                        <a:tabLst/>
+                        <a:defRPr/>
+                      </a:pPr>
+                      <a:r>
+                        <a:rPr lang="en-US" sz="1800" dirty="0"/>
+                        <a:t>N/A</a:t>
+                      </a:r>
+                    </a:p>
+                  </a:txBody>
+                  <a:tcPr/>
+                </a:tc>
+                <a:tc>
+                  <a:txBody>
+                    <a:bodyPr/>
+                    <a:lstStyle/>
+                    <a:p>
+                      <a:pPr marL="0" marR="0" lvl="0" indent="0" algn="ctr" defTabSz="914400" rtl="0" eaLnBrk="1" fontAlgn="auto" latinLnBrk="0" hangingPunct="1">
+                        <a:lnSpc>
+                          <a:spcPct val="100000"/>
+                        </a:lnSpc>
+                        <a:spcBef>
+                          <a:spcPts val="0"/>
+                        </a:spcBef>
+                        <a:spcAft>
+                          <a:spcPts val="0"/>
+                        </a:spcAft>
+                        <a:buClrTx/>
+                        <a:buSzTx/>
+                        <a:buFontTx/>
+                        <a:buNone/>
+                        <a:tabLst/>
+                        <a:defRPr/>
+                      </a:pPr>
+                      <a:r>
+                        <a:rPr lang="en-US" sz="1800" dirty="0"/>
+                        <a:t>N/A</a:t>
+                      </a:r>
+                    </a:p>
+                  </a:txBody>
+                  <a:tcPr/>
+                </a:tc>
+                <a:extLst>
+                  <a:ext uri="{0D108BD9-81ED-4DB2-BD59-A6C34878D82A}">
+                    <a16:rowId xmlns:a16="http://schemas.microsoft.com/office/drawing/2014/main" val="50857389"/>
+                  </a:ext>
+                </a:extLst>
+              </a:tr>
+              <a:tr h="370840">
+                <a:tc>
+                  <a:txBody>
+                    <a:bodyPr/>
+                    <a:lstStyle/>
+                    <a:p>
+                      <a:r>
+                        <a:rPr lang="en-US" dirty="0"/>
+                        <a:t>HDMI Male to Male</a:t>
+                      </a:r>
+                    </a:p>
+                  </a:txBody>
+                  <a:tcPr/>
+                </a:tc>
+                <a:tc>
+                  <a:txBody>
+                    <a:bodyPr/>
+                    <a:lstStyle/>
+                    <a:p>
+                      <a:pPr marL="0" marR="0" lvl="0" indent="0" algn="ctr" defTabSz="914400" rtl="0" eaLnBrk="1" fontAlgn="auto" latinLnBrk="0" hangingPunct="1">
+                        <a:lnSpc>
+                          <a:spcPct val="100000"/>
+                        </a:lnSpc>
+                        <a:spcBef>
+                          <a:spcPts val="0"/>
+                        </a:spcBef>
+                        <a:spcAft>
+                          <a:spcPts val="0"/>
+                        </a:spcAft>
+                        <a:buClrTx/>
+                        <a:buSzTx/>
+                        <a:buFontTx/>
+                        <a:buNone/>
+                        <a:tabLst/>
+                        <a:defRPr/>
+                      </a:pPr>
+                      <a:r>
+                        <a:rPr lang="en-US" sz="1800" dirty="0"/>
+                        <a:t>N/A</a:t>
+                      </a:r>
+                    </a:p>
+                  </a:txBody>
+                  <a:tcPr/>
+                </a:tc>
+                <a:tc>
+                  <a:txBody>
+                    <a:bodyPr/>
+                    <a:lstStyle/>
+                    <a:p>
+                      <a:pPr marL="0" marR="0" lvl="0" indent="0" algn="ctr" defTabSz="914400" rtl="0" eaLnBrk="1" fontAlgn="auto" latinLnBrk="0" hangingPunct="1">
+                        <a:lnSpc>
+                          <a:spcPct val="100000"/>
+                        </a:lnSpc>
+                        <a:spcBef>
+                          <a:spcPts val="0"/>
+                        </a:spcBef>
+                        <a:spcAft>
+                          <a:spcPts val="0"/>
+                        </a:spcAft>
+                        <a:buClrTx/>
+                        <a:buSzTx/>
+                        <a:buFontTx/>
+                        <a:buNone/>
+                        <a:tabLst/>
+                        <a:defRPr/>
+                      </a:pPr>
+                      <a:r>
+                        <a:rPr lang="en-US" sz="1800" dirty="0"/>
+                        <a:t>N/A</a:t>
+                      </a:r>
+                    </a:p>
+                  </a:txBody>
+                  <a:tcPr/>
+                </a:tc>
+                <a:extLst>
+                  <a:ext uri="{0D108BD9-81ED-4DB2-BD59-A6C34878D82A}">
+                    <a16:rowId xmlns:a16="http://schemas.microsoft.com/office/drawing/2014/main" val="1811843012"/>
+                  </a:ext>
+                </a:extLst>
+              </a:tr>
+              <a:tr h="370840">
+                <a:tc>
+                  <a:txBody>
+                    <a:bodyPr/>
+                    <a:lstStyle/>
+                    <a:p>
+                      <a:r>
+                        <a:rPr lang="pl-PL" sz="1800" b="0" i="0" kern="1200" dirty="0">
+                          <a:solidFill>
+                            <a:schemeClr val="tx1"/>
+                          </a:solidFill>
+                          <a:effectLst/>
+                          <a:latin typeface="+mn-lt"/>
+                          <a:ea typeface="+mn-ea"/>
+                          <a:cs typeface="+mn-cs"/>
+                        </a:rPr>
+                        <a:t>Micro HDMI to HDMI Adapter</a:t>
+                      </a:r>
+                      <a:endParaRPr lang="en-US" dirty="0"/>
+                    </a:p>
+                  </a:txBody>
+                  <a:tcPr/>
+                </a:tc>
+                <a:tc>
+                  <a:txBody>
+                    <a:bodyPr/>
+                    <a:lstStyle/>
+                    <a:p>
+                      <a:pPr marL="0" marR="0" lvl="0" indent="0" algn="ctr" defTabSz="914400" rtl="0" eaLnBrk="1" fontAlgn="auto" latinLnBrk="0" hangingPunct="1">
+                        <a:lnSpc>
+                          <a:spcPct val="100000"/>
+                        </a:lnSpc>
+                        <a:spcBef>
+                          <a:spcPts val="0"/>
+                        </a:spcBef>
+                        <a:spcAft>
+                          <a:spcPts val="0"/>
+                        </a:spcAft>
+                        <a:buClrTx/>
+                        <a:buSzTx/>
+                        <a:buFontTx/>
+                        <a:buNone/>
+                        <a:tabLst/>
+                        <a:defRPr/>
+                      </a:pPr>
+                      <a:r>
+                        <a:rPr lang="en-US" sz="1800" dirty="0"/>
+                        <a:t>N/A</a:t>
+                      </a:r>
+                    </a:p>
+                  </a:txBody>
+                  <a:tcPr/>
+                </a:tc>
+                <a:tc>
+                  <a:txBody>
+                    <a:bodyPr/>
+                    <a:lstStyle/>
+                    <a:p>
+                      <a:pPr marL="0" marR="0" lvl="0" indent="0" algn="ctr" defTabSz="914400" rtl="0" eaLnBrk="1" fontAlgn="auto" latinLnBrk="0" hangingPunct="1">
+                        <a:lnSpc>
+                          <a:spcPct val="100000"/>
+                        </a:lnSpc>
+                        <a:spcBef>
+                          <a:spcPts val="0"/>
+                        </a:spcBef>
+                        <a:spcAft>
+                          <a:spcPts val="0"/>
+                        </a:spcAft>
+                        <a:buClrTx/>
+                        <a:buSzTx/>
+                        <a:buFontTx/>
+                        <a:buNone/>
+                        <a:tabLst/>
+                        <a:defRPr/>
+                      </a:pPr>
+                      <a:r>
+                        <a:rPr lang="en-US" sz="1800" dirty="0"/>
+                        <a:t>N/A</a:t>
+                      </a:r>
+                    </a:p>
+                  </a:txBody>
+                  <a:tcPr/>
+                </a:tc>
+                <a:extLst>
+                  <a:ext uri="{0D108BD9-81ED-4DB2-BD59-A6C34878D82A}">
+                    <a16:rowId xmlns:a16="http://schemas.microsoft.com/office/drawing/2014/main" val="1547224284"/>
+                  </a:ext>
+                </a:extLst>
+              </a:tr>
+              <a:tr h="370840">
+                <a:tc>
+                  <a:txBody>
+                    <a:bodyPr/>
+                    <a:lstStyle/>
+                    <a:p>
+                      <a:r>
+                        <a:rPr lang="en-US" sz="1800" b="0" i="0" kern="1200" dirty="0">
+                          <a:solidFill>
+                            <a:schemeClr val="tx1"/>
+                          </a:solidFill>
+                          <a:effectLst/>
+                          <a:latin typeface="+mn-lt"/>
+                          <a:ea typeface="+mn-ea"/>
+                          <a:cs typeface="+mn-cs"/>
+                        </a:rPr>
+                        <a:t>4-Port USB 2.0 Hub </a:t>
+                      </a:r>
+                      <a:endParaRPr lang="en-US" dirty="0"/>
+                    </a:p>
+                  </a:txBody>
+                  <a:tcPr/>
+                </a:tc>
+                <a:tc>
+                  <a:txBody>
+                    <a:bodyPr/>
+                    <a:lstStyle/>
+                    <a:p>
+                      <a:pPr marL="0" marR="0" lvl="0" indent="0" algn="ctr" defTabSz="914400" rtl="0" eaLnBrk="1" fontAlgn="auto" latinLnBrk="0" hangingPunct="1">
+                        <a:lnSpc>
+                          <a:spcPct val="100000"/>
+                        </a:lnSpc>
+                        <a:spcBef>
+                          <a:spcPts val="0"/>
+                        </a:spcBef>
+                        <a:spcAft>
+                          <a:spcPts val="0"/>
+                        </a:spcAft>
+                        <a:buClrTx/>
+                        <a:buSzTx/>
+                        <a:buFontTx/>
+                        <a:buNone/>
+                        <a:tabLst/>
+                        <a:defRPr/>
+                      </a:pPr>
+                      <a:r>
+                        <a:rPr lang="en-US" sz="1800" dirty="0"/>
+                        <a:t>N/A</a:t>
+                      </a:r>
+                    </a:p>
+                  </a:txBody>
+                  <a:tcPr/>
+                </a:tc>
+                <a:tc>
+                  <a:txBody>
+                    <a:bodyPr/>
+                    <a:lstStyle/>
+                    <a:p>
+                      <a:pPr marL="0" marR="0" lvl="0" indent="0" algn="ctr" defTabSz="914400" rtl="0" eaLnBrk="1" fontAlgn="auto" latinLnBrk="0" hangingPunct="1">
+                        <a:lnSpc>
+                          <a:spcPct val="100000"/>
+                        </a:lnSpc>
+                        <a:spcBef>
+                          <a:spcPts val="0"/>
+                        </a:spcBef>
+                        <a:spcAft>
+                          <a:spcPts val="0"/>
+                        </a:spcAft>
+                        <a:buClrTx/>
+                        <a:buSzTx/>
+                        <a:buFontTx/>
+                        <a:buNone/>
+                        <a:tabLst/>
+                        <a:defRPr/>
+                      </a:pPr>
+                      <a:r>
+                        <a:rPr lang="en-US" sz="1800" dirty="0"/>
+                        <a:t>N/A</a:t>
+                      </a:r>
+                    </a:p>
+                  </a:txBody>
+                  <a:tcPr/>
+                </a:tc>
+                <a:extLst>
+                  <a:ext uri="{0D108BD9-81ED-4DB2-BD59-A6C34878D82A}">
+                    <a16:rowId xmlns:a16="http://schemas.microsoft.com/office/drawing/2014/main" val="462811486"/>
+                  </a:ext>
+                </a:extLst>
+              </a:tr>
             </a:tbl>
           </a:graphicData>
         </a:graphic>
@@ -19454,7 +20125,7 @@
         <p:spPr>
           <a:xfrm>
             <a:off x="366097" y="6362700"/>
-            <a:ext cx="11521103" cy="369332"/>
+            <a:ext cx="8994835" cy="369332"/>
           </a:xfrm>
           <a:prstGeom prst="rect">
             <a:avLst/>
@@ -19469,7 +20140,7 @@
           <a:p>
             <a:r>
               <a:rPr lang="en-US" dirty="0"/>
-              <a:t>Need all components to be purchased by instructor listed; additional components may be purchased by student </a:t>
+              <a:t>Note: Components with N/A under “Need to Buy” and “Cost” are available in the OEDK</a:t>
             </a:r>
           </a:p>
         </p:txBody>
@@ -19534,12 +20205,14 @@
         </p:nvSpPr>
         <p:spPr/>
         <p:txBody>
-          <a:bodyPr/>
+          <a:bodyPr>
+            <a:normAutofit fontScale="90000"/>
+          </a:bodyPr>
           <a:lstStyle/>
           <a:p>
             <a:r>
               <a:rPr lang="en-US" dirty="0"/>
-              <a:t>Summary of Modifications Made to Original Proposal</a:t>
+              <a:t>Summary of Modifications Made to Original Proposal (10/14)</a:t>
             </a:r>
           </a:p>
         </p:txBody>
@@ -19563,9 +20236,18 @@
         <p:spPr/>
         <p:txBody>
           <a:bodyPr>
-            <a:normAutofit/>
+            <a:normAutofit fontScale="92500" lnSpcReduction="10000"/>
           </a:bodyPr>
           <a:lstStyle/>
+          <a:p>
+            <a:pPr marL="0" indent="0">
+              <a:buNone/>
+            </a:pPr>
+            <a:r>
+              <a:rPr lang="en-US" b="1" dirty="0"/>
+              <a:t>Hardware</a:t>
+            </a:r>
+          </a:p>
           <a:p>
             <a:r>
               <a:rPr lang="en-US" dirty="0"/>
@@ -19617,7 +20299,27 @@
             </a:r>
           </a:p>
           <a:p>
-            <a:endParaRPr lang="en-US" dirty="0"/>
+            <a:pPr marL="0" indent="0">
+              <a:buNone/>
+            </a:pPr>
+            <a:r>
+              <a:rPr lang="en-US" b="1" dirty="0"/>
+              <a:t>Software</a:t>
+            </a:r>
+          </a:p>
+          <a:p>
+            <a:r>
+              <a:rPr lang="en-US" dirty="0"/>
+              <a:t>Maintained use of </a:t>
+            </a:r>
+            <a:r>
+              <a:rPr lang="en-US" dirty="0" err="1"/>
+              <a:t>MagicMirror</a:t>
+            </a:r>
+            <a:r>
+              <a:rPr lang="en-US" dirty="0"/>
+              <a:t> software for development of app modules and easy integration of data</a:t>
+            </a:r>
           </a:p>
         </p:txBody>
       </p:sp>
@@ -19625,6 +20327,178 @@
     <p:extLst>
       <p:ext uri="{BB962C8B-B14F-4D97-AF65-F5344CB8AC3E}">
         <p14:creationId xmlns:p14="http://schemas.microsoft.com/office/powerpoint/2010/main" val="3719720112"/>
+      </p:ext>
+    </p:extLst>
+  </p:cSld>
+  <p:clrMapOvr>
+    <a:masterClrMapping/>
+  </p:clrMapOvr>
+  <mc:AlternateContent xmlns:mc="http://schemas.openxmlformats.org/markup-compatibility/2006" xmlns:p14="http://schemas.microsoft.com/office/powerpoint/2010/main">
+    <mc:Choice Requires="p14">
+      <p:transition spd="med" p14:dur="700">
+        <p:fade/>
+      </p:transition>
+    </mc:Choice>
+    <mc:Fallback xmlns="">
+      <p:transition spd="med">
+        <p:fade/>
+      </p:transition>
+    </mc:Fallback>
+  </mc:AlternateContent>
+</p:sld>
+</file>
+
+<file path=ppt/slides/slide8.xml><?xml version="1.0" encoding="utf-8"?>
+<p:sld xmlns:a="http://schemas.openxmlformats.org/drawingml/2006/main" xmlns:r="http://schemas.openxmlformats.org/officeDocument/2006/relationships" xmlns:p="http://schemas.openxmlformats.org/presentationml/2006/main">
+  <p:cSld>
+    <p:spTree>
+      <p:nvGrpSpPr>
+        <p:cNvPr id="1" name=""/>
+        <p:cNvGrpSpPr/>
+        <p:nvPr/>
+      </p:nvGrpSpPr>
+      <p:grpSpPr>
+        <a:xfrm>
+          <a:off x="0" y="0"/>
+          <a:ext cx="0" cy="0"/>
+          <a:chOff x="0" y="0"/>
+          <a:chExt cx="0" cy="0"/>
+        </a:xfrm>
+      </p:grpSpPr>
+      <p:sp>
+        <p:nvSpPr>
+          <p:cNvPr id="2" name="Title 1">
+            <a:extLst>
+              <a:ext uri="{FF2B5EF4-FFF2-40B4-BE49-F238E27FC236}">
+                <a16:creationId xmlns:a16="http://schemas.microsoft.com/office/drawing/2014/main" id="{8302BDCF-0F8C-0E4F-9EB3-A48A05D0CBDF}"/>
+              </a:ext>
+            </a:extLst>
+          </p:cNvPr>
+          <p:cNvSpPr>
+            <a:spLocks noGrp="1"/>
+          </p:cNvSpPr>
+          <p:nvPr>
+            <p:ph type="title"/>
+          </p:nvPr>
+        </p:nvSpPr>
+        <p:spPr/>
+        <p:txBody>
+          <a:bodyPr>
+            <a:normAutofit fontScale="90000"/>
+          </a:bodyPr>
+          <a:lstStyle/>
+          <a:p>
+            <a:r>
+              <a:rPr lang="en-US" dirty="0"/>
+              <a:t>Summary of Modifications Made to Revised Proposal (11/09)</a:t>
+            </a:r>
+          </a:p>
+        </p:txBody>
+      </p:sp>
+      <p:sp>
+        <p:nvSpPr>
+          <p:cNvPr id="3" name="Content Placeholder 2">
+            <a:extLst>
+              <a:ext uri="{FF2B5EF4-FFF2-40B4-BE49-F238E27FC236}">
+                <a16:creationId xmlns:a16="http://schemas.microsoft.com/office/drawing/2014/main" id="{FD0D81DA-3BED-AF45-84BD-C2D71E9455A8}"/>
+              </a:ext>
+            </a:extLst>
+          </p:cNvPr>
+          <p:cNvSpPr>
+            <a:spLocks noGrp="1"/>
+          </p:cNvSpPr>
+          <p:nvPr>
+            <p:ph idx="1"/>
+          </p:nvPr>
+        </p:nvSpPr>
+        <p:spPr/>
+        <p:txBody>
+          <a:bodyPr>
+            <a:normAutofit fontScale="92500" lnSpcReduction="10000"/>
+          </a:bodyPr>
+          <a:lstStyle/>
+          <a:p>
+            <a:pPr marL="0" indent="0">
+              <a:buNone/>
+            </a:pPr>
+            <a:r>
+              <a:rPr lang="en-US" b="1" dirty="0"/>
+              <a:t>Hardware</a:t>
+            </a:r>
+          </a:p>
+          <a:p>
+            <a:r>
+              <a:rPr lang="en-US" dirty="0"/>
+              <a:t>Maintained use of Beagle Bone Black to supply adequate 5V power connection to LCD display screen </a:t>
+            </a:r>
+          </a:p>
+          <a:p>
+            <a:r>
+              <a:rPr lang="en-US" dirty="0"/>
+              <a:t>Did not incorporate LED strips</a:t>
+            </a:r>
+          </a:p>
+          <a:p>
+            <a:r>
+              <a:rPr lang="en-US" dirty="0"/>
+              <a:t>Did not incorporate power switch to turn on/off LEDs as computer will run continuously and can be used to power or turn off device instead of device running on solely on wall power</a:t>
+            </a:r>
+          </a:p>
+          <a:p>
+            <a:r>
+              <a:rPr lang="en-US" dirty="0"/>
+              <a:t>Did not incorporate button to toggle settings because touchscreen capability was feasible </a:t>
+            </a:r>
+          </a:p>
+          <a:p>
+            <a:r>
+              <a:rPr lang="en-US" dirty="0"/>
+              <a:t>Mirror film did not arrive, instead we received acrylic mirror tile that was difficult to incorporate</a:t>
+            </a:r>
+          </a:p>
+          <a:p>
+            <a:pPr marL="0" indent="0">
+              <a:buNone/>
+            </a:pPr>
+            <a:r>
+              <a:rPr lang="en-US" b="1" dirty="0"/>
+              <a:t>Software</a:t>
+            </a:r>
+          </a:p>
+          <a:p>
+            <a:r>
+              <a:rPr lang="en-US" dirty="0"/>
+              <a:t>Used </a:t>
+            </a:r>
+            <a:r>
+              <a:rPr lang="en-US" dirty="0" err="1"/>
+              <a:t>OpenWeatherMap</a:t>
+            </a:r>
+            <a:r>
+              <a:rPr lang="en-US" dirty="0"/>
+              <a:t> API to retrieve weather and used story wrapper to retrieve news data </a:t>
+            </a:r>
+          </a:p>
+          <a:p>
+            <a:r>
+              <a:rPr lang="en-US" dirty="0"/>
+              <a:t>Used pyqt5 to create GUI instead of </a:t>
+            </a:r>
+            <a:r>
+              <a:rPr lang="en-US" dirty="0" err="1"/>
+              <a:t>MagicMirror</a:t>
+            </a:r>
+            <a:r>
+              <a:rPr lang="en-US" dirty="0"/>
+              <a:t> app</a:t>
+            </a:r>
+          </a:p>
+        </p:txBody>
+      </p:sp>
+    </p:spTree>
+    <p:extLst>
+      <p:ext uri="{BB962C8B-B14F-4D97-AF65-F5344CB8AC3E}">
+        <p14:creationId xmlns:p14="http://schemas.microsoft.com/office/powerpoint/2010/main" val="219924176"/>
       </p:ext>
     </p:extLst>
   </p:cSld>
